--- a/Capstone.pptx
+++ b/Capstone.pptx
@@ -17,6 +17,17 @@
     <p:sldId id="268" r:id="rId11"/>
     <p:sldId id="269" r:id="rId12"/>
     <p:sldId id="270" r:id="rId13"/>
+    <p:sldId id="271" r:id="rId14"/>
+    <p:sldId id="272" r:id="rId15"/>
+    <p:sldId id="273" r:id="rId16"/>
+    <p:sldId id="274" r:id="rId17"/>
+    <p:sldId id="275" r:id="rId18"/>
+    <p:sldId id="276" r:id="rId19"/>
+    <p:sldId id="277" r:id="rId20"/>
+    <p:sldId id="278" r:id="rId21"/>
+    <p:sldId id="279" r:id="rId22"/>
+    <p:sldId id="280" r:id="rId23"/>
+    <p:sldId id="281" r:id="rId24"/>
   </p:sldIdLst>
   <p:sldSz cx="12192000" cy="6858000"/>
   <p:notesSz cx="6858000" cy="9144000"/>
@@ -270,7 +281,7 @@
           <a:p>
             <a:fld id="{6018D428-6449-4838-A403-8B79E6D01AFE}" type="datetimeFigureOut">
               <a:rPr lang="fr-FR" smtClean="0"/>
-              <a:t>04/04/2025</a:t>
+              <a:t>05/04/2025</a:t>
             </a:fld>
             <a:endParaRPr lang="fr-FR"/>
           </a:p>
@@ -468,7 +479,7 @@
           <a:p>
             <a:fld id="{6018D428-6449-4838-A403-8B79E6D01AFE}" type="datetimeFigureOut">
               <a:rPr lang="fr-FR" smtClean="0"/>
-              <a:t>04/04/2025</a:t>
+              <a:t>05/04/2025</a:t>
             </a:fld>
             <a:endParaRPr lang="fr-FR"/>
           </a:p>
@@ -676,7 +687,7 @@
           <a:p>
             <a:fld id="{6018D428-6449-4838-A403-8B79E6D01AFE}" type="datetimeFigureOut">
               <a:rPr lang="fr-FR" smtClean="0"/>
-              <a:t>04/04/2025</a:t>
+              <a:t>05/04/2025</a:t>
             </a:fld>
             <a:endParaRPr lang="fr-FR"/>
           </a:p>
@@ -874,7 +885,7 @@
           <a:p>
             <a:fld id="{6018D428-6449-4838-A403-8B79E6D01AFE}" type="datetimeFigureOut">
               <a:rPr lang="fr-FR" smtClean="0"/>
-              <a:t>04/04/2025</a:t>
+              <a:t>05/04/2025</a:t>
             </a:fld>
             <a:endParaRPr lang="fr-FR"/>
           </a:p>
@@ -1149,7 +1160,7 @@
           <a:p>
             <a:fld id="{6018D428-6449-4838-A403-8B79E6D01AFE}" type="datetimeFigureOut">
               <a:rPr lang="fr-FR" smtClean="0"/>
-              <a:t>04/04/2025</a:t>
+              <a:t>05/04/2025</a:t>
             </a:fld>
             <a:endParaRPr lang="fr-FR"/>
           </a:p>
@@ -1414,7 +1425,7 @@
           <a:p>
             <a:fld id="{6018D428-6449-4838-A403-8B79E6D01AFE}" type="datetimeFigureOut">
               <a:rPr lang="fr-FR" smtClean="0"/>
-              <a:t>04/04/2025</a:t>
+              <a:t>05/04/2025</a:t>
             </a:fld>
             <a:endParaRPr lang="fr-FR"/>
           </a:p>
@@ -1826,7 +1837,7 @@
           <a:p>
             <a:fld id="{6018D428-6449-4838-A403-8B79E6D01AFE}" type="datetimeFigureOut">
               <a:rPr lang="fr-FR" smtClean="0"/>
-              <a:t>04/04/2025</a:t>
+              <a:t>05/04/2025</a:t>
             </a:fld>
             <a:endParaRPr lang="fr-FR"/>
           </a:p>
@@ -1967,7 +1978,7 @@
           <a:p>
             <a:fld id="{6018D428-6449-4838-A403-8B79E6D01AFE}" type="datetimeFigureOut">
               <a:rPr lang="fr-FR" smtClean="0"/>
-              <a:t>04/04/2025</a:t>
+              <a:t>05/04/2025</a:t>
             </a:fld>
             <a:endParaRPr lang="fr-FR"/>
           </a:p>
@@ -2080,7 +2091,7 @@
           <a:p>
             <a:fld id="{6018D428-6449-4838-A403-8B79E6D01AFE}" type="datetimeFigureOut">
               <a:rPr lang="fr-FR" smtClean="0"/>
-              <a:t>04/04/2025</a:t>
+              <a:t>05/04/2025</a:t>
             </a:fld>
             <a:endParaRPr lang="fr-FR"/>
           </a:p>
@@ -2391,7 +2402,7 @@
           <a:p>
             <a:fld id="{6018D428-6449-4838-A403-8B79E6D01AFE}" type="datetimeFigureOut">
               <a:rPr lang="fr-FR" smtClean="0"/>
-              <a:t>04/04/2025</a:t>
+              <a:t>05/04/2025</a:t>
             </a:fld>
             <a:endParaRPr lang="fr-FR"/>
           </a:p>
@@ -2679,7 +2690,7 @@
           <a:p>
             <a:fld id="{6018D428-6449-4838-A403-8B79E6D01AFE}" type="datetimeFigureOut">
               <a:rPr lang="fr-FR" smtClean="0"/>
-              <a:t>04/04/2025</a:t>
+              <a:t>05/04/2025</a:t>
             </a:fld>
             <a:endParaRPr lang="fr-FR"/>
           </a:p>
@@ -2920,7 +2931,7 @@
           <a:p>
             <a:fld id="{6018D428-6449-4838-A403-8B79E6D01AFE}" type="datetimeFigureOut">
               <a:rPr lang="fr-FR" smtClean="0"/>
-              <a:t>04/04/2025</a:t>
+              <a:t>05/04/2025</a:t>
             </a:fld>
             <a:endParaRPr lang="fr-FR"/>
           </a:p>
@@ -4388,6 +4399,2134 @@
 </p:sld>
 </file>
 
+<file path=ppt/slides/slide13.xml><?xml version="1.0" encoding="utf-8"?>
+<p:sld xmlns:a="http://schemas.openxmlformats.org/drawingml/2006/main" xmlns:r="http://schemas.openxmlformats.org/officeDocument/2006/relationships" xmlns:p="http://schemas.openxmlformats.org/presentationml/2006/main">
+  <p:cSld>
+    <p:spTree>
+      <p:nvGrpSpPr>
+        <p:cNvPr id="1" name="">
+          <a:extLst>
+            <a:ext uri="{FF2B5EF4-FFF2-40B4-BE49-F238E27FC236}">
+              <a16:creationId xmlns:a16="http://schemas.microsoft.com/office/drawing/2014/main" id="{F15E7755-E51B-FCD5-D7C2-F93FEACD3481}"/>
+            </a:ext>
+          </a:extLst>
+        </p:cNvPr>
+        <p:cNvGrpSpPr/>
+        <p:nvPr/>
+      </p:nvGrpSpPr>
+      <p:grpSpPr>
+        <a:xfrm>
+          <a:off x="0" y="0"/>
+          <a:ext cx="0" cy="0"/>
+          <a:chOff x="0" y="0"/>
+          <a:chExt cx="0" cy="0"/>
+        </a:xfrm>
+      </p:grpSpPr>
+      <p:grpSp>
+        <p:nvGrpSpPr>
+          <p:cNvPr id="2" name="object 2">
+            <a:extLst>
+              <a:ext uri="{FF2B5EF4-FFF2-40B4-BE49-F238E27FC236}">
+                <a16:creationId xmlns:a16="http://schemas.microsoft.com/office/drawing/2014/main" id="{01D2E3DC-2A21-5D56-D0F2-7D53BB696F1B}"/>
+              </a:ext>
+            </a:extLst>
+          </p:cNvPr>
+          <p:cNvGrpSpPr/>
+          <p:nvPr/>
+        </p:nvGrpSpPr>
+        <p:grpSpPr>
+          <a:xfrm>
+            <a:off x="-1" y="6333490"/>
+            <a:ext cx="12192000" cy="524510"/>
+            <a:chOff x="0" y="6333745"/>
+            <a:chExt cx="12192000" cy="524510"/>
+          </a:xfrm>
+          <a:solidFill>
+            <a:schemeClr val="tx2">
+              <a:lumMod val="60000"/>
+              <a:lumOff val="40000"/>
+            </a:schemeClr>
+          </a:solidFill>
+        </p:grpSpPr>
+        <p:sp>
+          <p:nvSpPr>
+            <p:cNvPr id="3" name="object 3">
+              <a:extLst>
+                <a:ext uri="{FF2B5EF4-FFF2-40B4-BE49-F238E27FC236}">
+                  <a16:creationId xmlns:a16="http://schemas.microsoft.com/office/drawing/2014/main" id="{40D4DE59-5282-4349-60AA-D3CFC939AB37}"/>
+                </a:ext>
+              </a:extLst>
+            </p:cNvPr>
+            <p:cNvSpPr/>
+            <p:nvPr/>
+          </p:nvSpPr>
+          <p:spPr>
+            <a:xfrm>
+              <a:off x="3047" y="6400798"/>
+              <a:ext cx="12188825" cy="457200"/>
+            </a:xfrm>
+            <a:custGeom>
+              <a:avLst/>
+              <a:gdLst/>
+              <a:ahLst/>
+              <a:cxnLst/>
+              <a:rect l="l" t="t" r="r" b="b"/>
+              <a:pathLst>
+                <a:path w="12188825" h="457200">
+                  <a:moveTo>
+                    <a:pt x="12188444" y="0"/>
+                  </a:moveTo>
+                  <a:lnTo>
+                    <a:pt x="0" y="0"/>
+                  </a:lnTo>
+                  <a:lnTo>
+                    <a:pt x="0" y="457199"/>
+                  </a:lnTo>
+                  <a:lnTo>
+                    <a:pt x="12188444" y="457199"/>
+                  </a:lnTo>
+                  <a:lnTo>
+                    <a:pt x="12188444" y="0"/>
+                  </a:lnTo>
+                  <a:close/>
+                </a:path>
+              </a:pathLst>
+            </a:custGeom>
+            <a:grpFill/>
+            <a:ln>
+              <a:solidFill>
+                <a:schemeClr val="tx2">
+                  <a:lumMod val="50000"/>
+                </a:schemeClr>
+              </a:solidFill>
+            </a:ln>
+          </p:spPr>
+          <p:txBody>
+            <a:bodyPr wrap="square" lIns="0" tIns="0" rIns="0" bIns="0" rtlCol="0"/>
+            <a:lstStyle/>
+            <a:p>
+              <a:endParaRPr dirty="0"/>
+            </a:p>
+          </p:txBody>
+        </p:sp>
+        <p:sp>
+          <p:nvSpPr>
+            <p:cNvPr id="4" name="object 4">
+              <a:extLst>
+                <a:ext uri="{FF2B5EF4-FFF2-40B4-BE49-F238E27FC236}">
+                  <a16:creationId xmlns:a16="http://schemas.microsoft.com/office/drawing/2014/main" id="{946BDA7E-F417-1CE2-EF22-5D9DE6DD7D0A}"/>
+                </a:ext>
+              </a:extLst>
+            </p:cNvPr>
+            <p:cNvSpPr/>
+            <p:nvPr/>
+          </p:nvSpPr>
+          <p:spPr>
+            <a:xfrm>
+              <a:off x="0" y="6333745"/>
+              <a:ext cx="12188825" cy="64135"/>
+            </a:xfrm>
+            <a:custGeom>
+              <a:avLst/>
+              <a:gdLst/>
+              <a:ahLst/>
+              <a:cxnLst/>
+              <a:rect l="l" t="t" r="r" b="b"/>
+              <a:pathLst>
+                <a:path w="12188825" h="64135">
+                  <a:moveTo>
+                    <a:pt x="12188444" y="0"/>
+                  </a:moveTo>
+                  <a:lnTo>
+                    <a:pt x="0" y="0"/>
+                  </a:lnTo>
+                  <a:lnTo>
+                    <a:pt x="0" y="63879"/>
+                  </a:lnTo>
+                  <a:lnTo>
+                    <a:pt x="12188444" y="63879"/>
+                  </a:lnTo>
+                  <a:lnTo>
+                    <a:pt x="12188444" y="0"/>
+                  </a:lnTo>
+                  <a:close/>
+                </a:path>
+              </a:pathLst>
+            </a:custGeom>
+            <a:grpFill/>
+            <a:ln>
+              <a:solidFill>
+                <a:schemeClr val="tx2">
+                  <a:lumMod val="50000"/>
+                </a:schemeClr>
+              </a:solidFill>
+            </a:ln>
+          </p:spPr>
+          <p:txBody>
+            <a:bodyPr wrap="square" lIns="0" tIns="0" rIns="0" bIns="0" rtlCol="0"/>
+            <a:lstStyle/>
+            <a:p>
+              <a:endParaRPr/>
+            </a:p>
+          </p:txBody>
+        </p:sp>
+      </p:grpSp>
+      <p:sp>
+        <p:nvSpPr>
+          <p:cNvPr id="5" name="object 5">
+            <a:extLst>
+              <a:ext uri="{FF2B5EF4-FFF2-40B4-BE49-F238E27FC236}">
+                <a16:creationId xmlns:a16="http://schemas.microsoft.com/office/drawing/2014/main" id="{F62489C4-3310-7E71-59B4-4B7554AF28D9}"/>
+              </a:ext>
+            </a:extLst>
+          </p:cNvPr>
+          <p:cNvSpPr/>
+          <p:nvPr/>
+        </p:nvSpPr>
+        <p:spPr>
+          <a:xfrm>
+            <a:off x="1207008" y="4343400"/>
+            <a:ext cx="9875520" cy="0"/>
+          </a:xfrm>
+          <a:custGeom>
+            <a:avLst/>
+            <a:gdLst/>
+            <a:ahLst/>
+            <a:cxnLst/>
+            <a:rect l="l" t="t" r="r" b="b"/>
+            <a:pathLst>
+              <a:path w="9875520">
+                <a:moveTo>
+                  <a:pt x="0" y="0"/>
+                </a:moveTo>
+                <a:lnTo>
+                  <a:pt x="9875520" y="0"/>
+                </a:lnTo>
+              </a:path>
+            </a:pathLst>
+          </a:custGeom>
+          <a:ln w="6096">
+            <a:solidFill>
+              <a:srgbClr val="7D7D7D"/>
+            </a:solidFill>
+          </a:ln>
+        </p:spPr>
+        <p:txBody>
+          <a:bodyPr wrap="square" lIns="0" tIns="0" rIns="0" bIns="0" rtlCol="0"/>
+          <a:lstStyle/>
+          <a:p>
+            <a:endParaRPr/>
+          </a:p>
+        </p:txBody>
+      </p:sp>
+      <p:sp>
+        <p:nvSpPr>
+          <p:cNvPr id="7" name="ZoneTexte 6">
+            <a:extLst>
+              <a:ext uri="{FF2B5EF4-FFF2-40B4-BE49-F238E27FC236}">
+                <a16:creationId xmlns:a16="http://schemas.microsoft.com/office/drawing/2014/main" id="{B0E3DED0-44E1-B1B1-3ACE-9DDBCCC0B7F9}"/>
+              </a:ext>
+            </a:extLst>
+          </p:cNvPr>
+          <p:cNvSpPr txBox="1"/>
+          <p:nvPr/>
+        </p:nvSpPr>
+        <p:spPr>
+          <a:xfrm>
+            <a:off x="449034" y="396239"/>
+            <a:ext cx="11489417" cy="1200329"/>
+          </a:xfrm>
+          <a:prstGeom prst="rect">
+            <a:avLst/>
+          </a:prstGeom>
+          <a:noFill/>
+        </p:spPr>
+        <p:txBody>
+          <a:bodyPr wrap="square">
+            <a:spAutoFit/>
+          </a:bodyPr>
+          <a:lstStyle/>
+          <a:p>
+            <a:r>
+              <a:rPr lang="fr-FR" dirty="0" err="1"/>
+              <a:t>Retrieve</a:t>
+            </a:r>
+            <a:r>
+              <a:rPr lang="fr-FR" dirty="0"/>
+              <a:t> unique launch site </a:t>
+            </a:r>
+            <a:r>
+              <a:rPr lang="fr-FR" dirty="0" err="1"/>
+              <a:t>names</a:t>
+            </a:r>
+            <a:r>
+              <a:rPr lang="fr-FR" dirty="0"/>
+              <a:t> </a:t>
+            </a:r>
+            <a:r>
+              <a:rPr lang="fr-FR" dirty="0" err="1"/>
+              <a:t>from</a:t>
+            </a:r>
+            <a:r>
+              <a:rPr lang="fr-FR" dirty="0"/>
+              <a:t> the </a:t>
+            </a:r>
+            <a:r>
+              <a:rPr lang="fr-FR" dirty="0" err="1"/>
+              <a:t>database</a:t>
+            </a:r>
+            <a:r>
+              <a:rPr lang="fr-FR" dirty="0"/>
+              <a:t>.</a:t>
+            </a:r>
+            <a:br>
+              <a:rPr lang="fr-FR" dirty="0"/>
+            </a:br>
+            <a:r>
+              <a:rPr lang="fr-FR" dirty="0"/>
+              <a:t>CCAFS SLC-40 and CCAFSSLC-40 </a:t>
+            </a:r>
+            <a:r>
+              <a:rPr lang="fr-FR" dirty="0" err="1"/>
+              <a:t>likely</a:t>
+            </a:r>
+            <a:r>
+              <a:rPr lang="fr-FR" dirty="0"/>
+              <a:t> </a:t>
+            </a:r>
+            <a:r>
+              <a:rPr lang="fr-FR" dirty="0" err="1"/>
+              <a:t>refer</a:t>
+            </a:r>
+            <a:r>
+              <a:rPr lang="fr-FR" dirty="0"/>
+              <a:t> to the </a:t>
+            </a:r>
+            <a:r>
+              <a:rPr lang="fr-FR" dirty="0" err="1"/>
+              <a:t>same</a:t>
+            </a:r>
+            <a:r>
+              <a:rPr lang="fr-FR" dirty="0"/>
+              <a:t> launch site due to data entry </a:t>
+            </a:r>
+            <a:r>
+              <a:rPr lang="fr-FR" dirty="0" err="1"/>
+              <a:t>errors</a:t>
+            </a:r>
+            <a:r>
+              <a:rPr lang="fr-FR" dirty="0"/>
+              <a:t>.</a:t>
+            </a:r>
+            <a:br>
+              <a:rPr lang="fr-FR" dirty="0"/>
+            </a:br>
+            <a:r>
+              <a:rPr lang="fr-FR" dirty="0"/>
+              <a:t>CCAFS LC-40 </a:t>
+            </a:r>
+            <a:r>
+              <a:rPr lang="fr-FR" dirty="0" err="1"/>
+              <a:t>was</a:t>
+            </a:r>
+            <a:r>
+              <a:rPr lang="fr-FR" dirty="0"/>
+              <a:t> the </a:t>
+            </a:r>
+            <a:r>
+              <a:rPr lang="fr-FR" dirty="0" err="1"/>
+              <a:t>previous</a:t>
+            </a:r>
+            <a:r>
+              <a:rPr lang="fr-FR" dirty="0"/>
+              <a:t> </a:t>
+            </a:r>
+            <a:r>
+              <a:rPr lang="fr-FR" dirty="0" err="1"/>
+              <a:t>name</a:t>
+            </a:r>
+            <a:r>
+              <a:rPr lang="fr-FR" dirty="0"/>
+              <a:t>. There are </a:t>
+            </a:r>
+            <a:r>
+              <a:rPr lang="fr-FR" dirty="0" err="1"/>
+              <a:t>likely</a:t>
+            </a:r>
+            <a:r>
+              <a:rPr lang="fr-FR" dirty="0"/>
+              <a:t> </a:t>
+            </a:r>
+            <a:r>
+              <a:rPr lang="fr-FR" dirty="0" err="1"/>
+              <a:t>only</a:t>
+            </a:r>
+            <a:r>
+              <a:rPr lang="fr-FR" dirty="0"/>
+              <a:t> </a:t>
+            </a:r>
+            <a:r>
+              <a:rPr lang="fr-FR" dirty="0" err="1"/>
+              <a:t>three</a:t>
+            </a:r>
+            <a:r>
+              <a:rPr lang="fr-FR" dirty="0"/>
+              <a:t> unique launch site values: CCAFS SLC-40, KSC LC-39A, and VAFB SLC-4E</a:t>
+            </a:r>
+          </a:p>
+        </p:txBody>
+      </p:sp>
+    </p:spTree>
+    <p:extLst>
+      <p:ext uri="{BB962C8B-B14F-4D97-AF65-F5344CB8AC3E}">
+        <p14:creationId xmlns:p14="http://schemas.microsoft.com/office/powerpoint/2010/main" val="2957293505"/>
+      </p:ext>
+    </p:extLst>
+  </p:cSld>
+  <p:clrMapOvr>
+    <a:masterClrMapping/>
+  </p:clrMapOvr>
+</p:sld>
+</file>
+
+<file path=ppt/slides/slide14.xml><?xml version="1.0" encoding="utf-8"?>
+<p:sld xmlns:a="http://schemas.openxmlformats.org/drawingml/2006/main" xmlns:r="http://schemas.openxmlformats.org/officeDocument/2006/relationships" xmlns:p="http://schemas.openxmlformats.org/presentationml/2006/main">
+  <p:cSld>
+    <p:spTree>
+      <p:nvGrpSpPr>
+        <p:cNvPr id="1" name="">
+          <a:extLst>
+            <a:ext uri="{FF2B5EF4-FFF2-40B4-BE49-F238E27FC236}">
+              <a16:creationId xmlns:a16="http://schemas.microsoft.com/office/drawing/2014/main" id="{EFEF1770-A06C-B092-F762-DF8FE0A0C547}"/>
+            </a:ext>
+          </a:extLst>
+        </p:cNvPr>
+        <p:cNvGrpSpPr/>
+        <p:nvPr/>
+      </p:nvGrpSpPr>
+      <p:grpSpPr>
+        <a:xfrm>
+          <a:off x="0" y="0"/>
+          <a:ext cx="0" cy="0"/>
+          <a:chOff x="0" y="0"/>
+          <a:chExt cx="0" cy="0"/>
+        </a:xfrm>
+      </p:grpSpPr>
+      <p:grpSp>
+        <p:nvGrpSpPr>
+          <p:cNvPr id="2" name="object 2">
+            <a:extLst>
+              <a:ext uri="{FF2B5EF4-FFF2-40B4-BE49-F238E27FC236}">
+                <a16:creationId xmlns:a16="http://schemas.microsoft.com/office/drawing/2014/main" id="{DBA7F285-8D56-167A-5AD9-904FE6C9570B}"/>
+              </a:ext>
+            </a:extLst>
+          </p:cNvPr>
+          <p:cNvGrpSpPr/>
+          <p:nvPr/>
+        </p:nvGrpSpPr>
+        <p:grpSpPr>
+          <a:xfrm>
+            <a:off x="-1" y="6333490"/>
+            <a:ext cx="12192000" cy="524510"/>
+            <a:chOff x="0" y="6333745"/>
+            <a:chExt cx="12192000" cy="524510"/>
+          </a:xfrm>
+          <a:solidFill>
+            <a:schemeClr val="tx2">
+              <a:lumMod val="60000"/>
+              <a:lumOff val="40000"/>
+            </a:schemeClr>
+          </a:solidFill>
+        </p:grpSpPr>
+        <p:sp>
+          <p:nvSpPr>
+            <p:cNvPr id="3" name="object 3">
+              <a:extLst>
+                <a:ext uri="{FF2B5EF4-FFF2-40B4-BE49-F238E27FC236}">
+                  <a16:creationId xmlns:a16="http://schemas.microsoft.com/office/drawing/2014/main" id="{459A7DDE-03AE-F35C-63AF-E8DF7AB8D647}"/>
+                </a:ext>
+              </a:extLst>
+            </p:cNvPr>
+            <p:cNvSpPr/>
+            <p:nvPr/>
+          </p:nvSpPr>
+          <p:spPr>
+            <a:xfrm>
+              <a:off x="3047" y="6400798"/>
+              <a:ext cx="12188825" cy="457200"/>
+            </a:xfrm>
+            <a:custGeom>
+              <a:avLst/>
+              <a:gdLst/>
+              <a:ahLst/>
+              <a:cxnLst/>
+              <a:rect l="l" t="t" r="r" b="b"/>
+              <a:pathLst>
+                <a:path w="12188825" h="457200">
+                  <a:moveTo>
+                    <a:pt x="12188444" y="0"/>
+                  </a:moveTo>
+                  <a:lnTo>
+                    <a:pt x="0" y="0"/>
+                  </a:lnTo>
+                  <a:lnTo>
+                    <a:pt x="0" y="457199"/>
+                  </a:lnTo>
+                  <a:lnTo>
+                    <a:pt x="12188444" y="457199"/>
+                  </a:lnTo>
+                  <a:lnTo>
+                    <a:pt x="12188444" y="0"/>
+                  </a:lnTo>
+                  <a:close/>
+                </a:path>
+              </a:pathLst>
+            </a:custGeom>
+            <a:grpFill/>
+            <a:ln>
+              <a:solidFill>
+                <a:schemeClr val="tx2">
+                  <a:lumMod val="50000"/>
+                </a:schemeClr>
+              </a:solidFill>
+            </a:ln>
+          </p:spPr>
+          <p:txBody>
+            <a:bodyPr wrap="square" lIns="0" tIns="0" rIns="0" bIns="0" rtlCol="0"/>
+            <a:lstStyle/>
+            <a:p>
+              <a:endParaRPr dirty="0"/>
+            </a:p>
+          </p:txBody>
+        </p:sp>
+        <p:sp>
+          <p:nvSpPr>
+            <p:cNvPr id="4" name="object 4">
+              <a:extLst>
+                <a:ext uri="{FF2B5EF4-FFF2-40B4-BE49-F238E27FC236}">
+                  <a16:creationId xmlns:a16="http://schemas.microsoft.com/office/drawing/2014/main" id="{0D461AC9-044E-15D4-AE93-9ADC4BDBE049}"/>
+                </a:ext>
+              </a:extLst>
+            </p:cNvPr>
+            <p:cNvSpPr/>
+            <p:nvPr/>
+          </p:nvSpPr>
+          <p:spPr>
+            <a:xfrm>
+              <a:off x="0" y="6333745"/>
+              <a:ext cx="12188825" cy="64135"/>
+            </a:xfrm>
+            <a:custGeom>
+              <a:avLst/>
+              <a:gdLst/>
+              <a:ahLst/>
+              <a:cxnLst/>
+              <a:rect l="l" t="t" r="r" b="b"/>
+              <a:pathLst>
+                <a:path w="12188825" h="64135">
+                  <a:moveTo>
+                    <a:pt x="12188444" y="0"/>
+                  </a:moveTo>
+                  <a:lnTo>
+                    <a:pt x="0" y="0"/>
+                  </a:lnTo>
+                  <a:lnTo>
+                    <a:pt x="0" y="63879"/>
+                  </a:lnTo>
+                  <a:lnTo>
+                    <a:pt x="12188444" y="63879"/>
+                  </a:lnTo>
+                  <a:lnTo>
+                    <a:pt x="12188444" y="0"/>
+                  </a:lnTo>
+                  <a:close/>
+                </a:path>
+              </a:pathLst>
+            </a:custGeom>
+            <a:grpFill/>
+            <a:ln>
+              <a:solidFill>
+                <a:schemeClr val="tx2">
+                  <a:lumMod val="50000"/>
+                </a:schemeClr>
+              </a:solidFill>
+            </a:ln>
+          </p:spPr>
+          <p:txBody>
+            <a:bodyPr wrap="square" lIns="0" tIns="0" rIns="0" bIns="0" rtlCol="0"/>
+            <a:lstStyle/>
+            <a:p>
+              <a:endParaRPr/>
+            </a:p>
+          </p:txBody>
+        </p:sp>
+      </p:grpSp>
+      <p:sp>
+        <p:nvSpPr>
+          <p:cNvPr id="5" name="object 5">
+            <a:extLst>
+              <a:ext uri="{FF2B5EF4-FFF2-40B4-BE49-F238E27FC236}">
+                <a16:creationId xmlns:a16="http://schemas.microsoft.com/office/drawing/2014/main" id="{066261A2-EAAD-F69B-EAA3-11E03FB9A3DB}"/>
+              </a:ext>
+            </a:extLst>
+          </p:cNvPr>
+          <p:cNvSpPr/>
+          <p:nvPr/>
+        </p:nvSpPr>
+        <p:spPr>
+          <a:xfrm>
+            <a:off x="1207008" y="4343400"/>
+            <a:ext cx="9875520" cy="0"/>
+          </a:xfrm>
+          <a:custGeom>
+            <a:avLst/>
+            <a:gdLst/>
+            <a:ahLst/>
+            <a:cxnLst/>
+            <a:rect l="l" t="t" r="r" b="b"/>
+            <a:pathLst>
+              <a:path w="9875520">
+                <a:moveTo>
+                  <a:pt x="0" y="0"/>
+                </a:moveTo>
+                <a:lnTo>
+                  <a:pt x="9875520" y="0"/>
+                </a:lnTo>
+              </a:path>
+            </a:pathLst>
+          </a:custGeom>
+          <a:ln w="6096">
+            <a:solidFill>
+              <a:srgbClr val="7D7D7D"/>
+            </a:solidFill>
+          </a:ln>
+        </p:spPr>
+        <p:txBody>
+          <a:bodyPr wrap="square" lIns="0" tIns="0" rIns="0" bIns="0" rtlCol="0"/>
+          <a:lstStyle/>
+          <a:p>
+            <a:endParaRPr/>
+          </a:p>
+        </p:txBody>
+      </p:sp>
+      <p:sp>
+        <p:nvSpPr>
+          <p:cNvPr id="8" name="object 5">
+            <a:extLst>
+              <a:ext uri="{FF2B5EF4-FFF2-40B4-BE49-F238E27FC236}">
+                <a16:creationId xmlns:a16="http://schemas.microsoft.com/office/drawing/2014/main" id="{52321D2B-A54A-F0FA-BF6B-869D4CB2E9C7}"/>
+              </a:ext>
+            </a:extLst>
+          </p:cNvPr>
+          <p:cNvSpPr/>
+          <p:nvPr/>
+        </p:nvSpPr>
+        <p:spPr>
+          <a:xfrm>
+            <a:off x="1748462" y="850065"/>
+            <a:ext cx="3220212" cy="2763012"/>
+          </a:xfrm>
+          <a:prstGeom prst="rect">
+            <a:avLst/>
+          </a:prstGeom>
+          <a:blipFill>
+            <a:blip r:embed="rId2" cstate="print"/>
+            <a:stretch>
+              <a:fillRect/>
+            </a:stretch>
+          </a:blipFill>
+        </p:spPr>
+        <p:txBody>
+          <a:bodyPr wrap="square" lIns="0" tIns="0" rIns="0" bIns="0" rtlCol="0"/>
+          <a:lstStyle/>
+          <a:p>
+            <a:endParaRPr/>
+          </a:p>
+        </p:txBody>
+      </p:sp>
+    </p:spTree>
+    <p:extLst>
+      <p:ext uri="{BB962C8B-B14F-4D97-AF65-F5344CB8AC3E}">
+        <p14:creationId xmlns:p14="http://schemas.microsoft.com/office/powerpoint/2010/main" val="2457211476"/>
+      </p:ext>
+    </p:extLst>
+  </p:cSld>
+  <p:clrMapOvr>
+    <a:masterClrMapping/>
+  </p:clrMapOvr>
+</p:sld>
+</file>
+
+<file path=ppt/slides/slide15.xml><?xml version="1.0" encoding="utf-8"?>
+<p:sld xmlns:a="http://schemas.openxmlformats.org/drawingml/2006/main" xmlns:r="http://schemas.openxmlformats.org/officeDocument/2006/relationships" xmlns:p="http://schemas.openxmlformats.org/presentationml/2006/main">
+  <p:cSld>
+    <p:spTree>
+      <p:nvGrpSpPr>
+        <p:cNvPr id="1" name="">
+          <a:extLst>
+            <a:ext uri="{FF2B5EF4-FFF2-40B4-BE49-F238E27FC236}">
+              <a16:creationId xmlns:a16="http://schemas.microsoft.com/office/drawing/2014/main" id="{20A9F182-1FA9-CFFD-CEFA-6E97F8951752}"/>
+            </a:ext>
+          </a:extLst>
+        </p:cNvPr>
+        <p:cNvGrpSpPr/>
+        <p:nvPr/>
+      </p:nvGrpSpPr>
+      <p:grpSpPr>
+        <a:xfrm>
+          <a:off x="0" y="0"/>
+          <a:ext cx="0" cy="0"/>
+          <a:chOff x="0" y="0"/>
+          <a:chExt cx="0" cy="0"/>
+        </a:xfrm>
+      </p:grpSpPr>
+      <p:grpSp>
+        <p:nvGrpSpPr>
+          <p:cNvPr id="2" name="object 2">
+            <a:extLst>
+              <a:ext uri="{FF2B5EF4-FFF2-40B4-BE49-F238E27FC236}">
+                <a16:creationId xmlns:a16="http://schemas.microsoft.com/office/drawing/2014/main" id="{F2CC3BF3-3D0C-F83C-B7A0-6E32493E286A}"/>
+              </a:ext>
+            </a:extLst>
+          </p:cNvPr>
+          <p:cNvGrpSpPr/>
+          <p:nvPr/>
+        </p:nvGrpSpPr>
+        <p:grpSpPr>
+          <a:xfrm>
+            <a:off x="-1" y="6333490"/>
+            <a:ext cx="12192000" cy="524510"/>
+            <a:chOff x="0" y="6333745"/>
+            <a:chExt cx="12192000" cy="524510"/>
+          </a:xfrm>
+          <a:solidFill>
+            <a:schemeClr val="tx2">
+              <a:lumMod val="60000"/>
+              <a:lumOff val="40000"/>
+            </a:schemeClr>
+          </a:solidFill>
+        </p:grpSpPr>
+        <p:sp>
+          <p:nvSpPr>
+            <p:cNvPr id="3" name="object 3">
+              <a:extLst>
+                <a:ext uri="{FF2B5EF4-FFF2-40B4-BE49-F238E27FC236}">
+                  <a16:creationId xmlns:a16="http://schemas.microsoft.com/office/drawing/2014/main" id="{016DF406-03B8-1561-06D4-3BCDAD315B0D}"/>
+                </a:ext>
+              </a:extLst>
+            </p:cNvPr>
+            <p:cNvSpPr/>
+            <p:nvPr/>
+          </p:nvSpPr>
+          <p:spPr>
+            <a:xfrm>
+              <a:off x="3047" y="6400798"/>
+              <a:ext cx="12188825" cy="457200"/>
+            </a:xfrm>
+            <a:custGeom>
+              <a:avLst/>
+              <a:gdLst/>
+              <a:ahLst/>
+              <a:cxnLst/>
+              <a:rect l="l" t="t" r="r" b="b"/>
+              <a:pathLst>
+                <a:path w="12188825" h="457200">
+                  <a:moveTo>
+                    <a:pt x="12188444" y="0"/>
+                  </a:moveTo>
+                  <a:lnTo>
+                    <a:pt x="0" y="0"/>
+                  </a:lnTo>
+                  <a:lnTo>
+                    <a:pt x="0" y="457199"/>
+                  </a:lnTo>
+                  <a:lnTo>
+                    <a:pt x="12188444" y="457199"/>
+                  </a:lnTo>
+                  <a:lnTo>
+                    <a:pt x="12188444" y="0"/>
+                  </a:lnTo>
+                  <a:close/>
+                </a:path>
+              </a:pathLst>
+            </a:custGeom>
+            <a:grpFill/>
+            <a:ln>
+              <a:solidFill>
+                <a:schemeClr val="tx2">
+                  <a:lumMod val="50000"/>
+                </a:schemeClr>
+              </a:solidFill>
+            </a:ln>
+          </p:spPr>
+          <p:txBody>
+            <a:bodyPr wrap="square" lIns="0" tIns="0" rIns="0" bIns="0" rtlCol="0"/>
+            <a:lstStyle/>
+            <a:p>
+              <a:endParaRPr dirty="0"/>
+            </a:p>
+          </p:txBody>
+        </p:sp>
+        <p:sp>
+          <p:nvSpPr>
+            <p:cNvPr id="4" name="object 4">
+              <a:extLst>
+                <a:ext uri="{FF2B5EF4-FFF2-40B4-BE49-F238E27FC236}">
+                  <a16:creationId xmlns:a16="http://schemas.microsoft.com/office/drawing/2014/main" id="{7B563E4A-52A3-9752-1331-F200D09374B0}"/>
+                </a:ext>
+              </a:extLst>
+            </p:cNvPr>
+            <p:cNvSpPr/>
+            <p:nvPr/>
+          </p:nvSpPr>
+          <p:spPr>
+            <a:xfrm>
+              <a:off x="0" y="6333745"/>
+              <a:ext cx="12188825" cy="64135"/>
+            </a:xfrm>
+            <a:custGeom>
+              <a:avLst/>
+              <a:gdLst/>
+              <a:ahLst/>
+              <a:cxnLst/>
+              <a:rect l="l" t="t" r="r" b="b"/>
+              <a:pathLst>
+                <a:path w="12188825" h="64135">
+                  <a:moveTo>
+                    <a:pt x="12188444" y="0"/>
+                  </a:moveTo>
+                  <a:lnTo>
+                    <a:pt x="0" y="0"/>
+                  </a:lnTo>
+                  <a:lnTo>
+                    <a:pt x="0" y="63879"/>
+                  </a:lnTo>
+                  <a:lnTo>
+                    <a:pt x="12188444" y="63879"/>
+                  </a:lnTo>
+                  <a:lnTo>
+                    <a:pt x="12188444" y="0"/>
+                  </a:lnTo>
+                  <a:close/>
+                </a:path>
+              </a:pathLst>
+            </a:custGeom>
+            <a:grpFill/>
+            <a:ln>
+              <a:solidFill>
+                <a:schemeClr val="tx2">
+                  <a:lumMod val="50000"/>
+                </a:schemeClr>
+              </a:solidFill>
+            </a:ln>
+          </p:spPr>
+          <p:txBody>
+            <a:bodyPr wrap="square" lIns="0" tIns="0" rIns="0" bIns="0" rtlCol="0"/>
+            <a:lstStyle/>
+            <a:p>
+              <a:endParaRPr/>
+            </a:p>
+          </p:txBody>
+        </p:sp>
+      </p:grpSp>
+      <p:sp>
+        <p:nvSpPr>
+          <p:cNvPr id="5" name="object 5">
+            <a:extLst>
+              <a:ext uri="{FF2B5EF4-FFF2-40B4-BE49-F238E27FC236}">
+                <a16:creationId xmlns:a16="http://schemas.microsoft.com/office/drawing/2014/main" id="{AFC388BC-B0F7-6C0D-CCB9-A7C6984B84B0}"/>
+              </a:ext>
+            </a:extLst>
+          </p:cNvPr>
+          <p:cNvSpPr/>
+          <p:nvPr/>
+        </p:nvSpPr>
+        <p:spPr>
+          <a:xfrm>
+            <a:off x="1207008" y="4343400"/>
+            <a:ext cx="9875520" cy="0"/>
+          </a:xfrm>
+          <a:custGeom>
+            <a:avLst/>
+            <a:gdLst/>
+            <a:ahLst/>
+            <a:cxnLst/>
+            <a:rect l="l" t="t" r="r" b="b"/>
+            <a:pathLst>
+              <a:path w="9875520">
+                <a:moveTo>
+                  <a:pt x="0" y="0"/>
+                </a:moveTo>
+                <a:lnTo>
+                  <a:pt x="9875520" y="0"/>
+                </a:lnTo>
+              </a:path>
+            </a:pathLst>
+          </a:custGeom>
+          <a:ln w="6096">
+            <a:solidFill>
+              <a:srgbClr val="7D7D7D"/>
+            </a:solidFill>
+          </a:ln>
+        </p:spPr>
+        <p:txBody>
+          <a:bodyPr wrap="square" lIns="0" tIns="0" rIns="0" bIns="0" rtlCol="0"/>
+          <a:lstStyle/>
+          <a:p>
+            <a:endParaRPr/>
+          </a:p>
+        </p:txBody>
+      </p:sp>
+      <p:sp>
+        <p:nvSpPr>
+          <p:cNvPr id="7" name="ZoneTexte 6">
+            <a:extLst>
+              <a:ext uri="{FF2B5EF4-FFF2-40B4-BE49-F238E27FC236}">
+                <a16:creationId xmlns:a16="http://schemas.microsoft.com/office/drawing/2014/main" id="{D48A5C6A-F229-0407-5699-4F5D5B1FBA95}"/>
+              </a:ext>
+            </a:extLst>
+          </p:cNvPr>
+          <p:cNvSpPr txBox="1"/>
+          <p:nvPr/>
+        </p:nvSpPr>
+        <p:spPr>
+          <a:xfrm>
+            <a:off x="1207008" y="623453"/>
+            <a:ext cx="11072078" cy="2308324"/>
+          </a:xfrm>
+          <a:prstGeom prst="rect">
+            <a:avLst/>
+          </a:prstGeom>
+          <a:noFill/>
+        </p:spPr>
+        <p:txBody>
+          <a:bodyPr wrap="square">
+            <a:spAutoFit/>
+          </a:bodyPr>
+          <a:lstStyle/>
+          <a:p>
+            <a:pPr>
+              <a:buNone/>
+            </a:pPr>
+            <a:r>
+              <a:rPr lang="en-US" b="1" dirty="0"/>
+              <a:t>Analysis of Launch Site CCAFS LC-40 and Machine Learning Model Performance</a:t>
+            </a:r>
+          </a:p>
+          <a:p>
+            <a:pPr>
+              <a:buFont typeface="Arial" panose="020B0604020202020204" pitchFamily="34" charset="0"/>
+              <a:buChar char="•"/>
+            </a:pPr>
+            <a:r>
+              <a:rPr lang="en-US" dirty="0"/>
+              <a:t>The pie chart below illustrates the launch outcomes for </a:t>
+            </a:r>
+            <a:r>
+              <a:rPr lang="en-US" b="1" dirty="0"/>
+              <a:t>CCAFS LC-40</a:t>
+            </a:r>
+            <a:r>
+              <a:rPr lang="en-US" dirty="0"/>
+              <a:t>.</a:t>
+            </a:r>
+          </a:p>
+          <a:p>
+            <a:pPr>
+              <a:buFont typeface="Arial" panose="020B0604020202020204" pitchFamily="34" charset="0"/>
+              <a:buChar char="•"/>
+            </a:pPr>
+            <a:r>
+              <a:rPr lang="en-US" b="1" dirty="0"/>
+              <a:t>0 represents failed launches</a:t>
+            </a:r>
+            <a:r>
+              <a:rPr lang="en-US" dirty="0"/>
+              <a:t>, while </a:t>
+            </a:r>
+            <a:r>
+              <a:rPr lang="en-US" b="1" dirty="0"/>
+              <a:t>1 represents successful launches</a:t>
+            </a:r>
+            <a:r>
+              <a:rPr lang="en-US" dirty="0"/>
+              <a:t>.</a:t>
+            </a:r>
+          </a:p>
+          <a:p>
+            <a:pPr>
+              <a:buFont typeface="Arial" panose="020B0604020202020204" pitchFamily="34" charset="0"/>
+              <a:buChar char="•"/>
+            </a:pPr>
+            <a:r>
+              <a:rPr lang="en-US" b="1" dirty="0"/>
+              <a:t>73.1% of launches at CCAFS LC-40 resulted in failure</a:t>
+            </a:r>
+            <a:r>
+              <a:rPr lang="en-US" dirty="0"/>
+              <a:t>.</a:t>
+            </a:r>
+          </a:p>
+          <a:p>
+            <a:pPr>
+              <a:buNone/>
+            </a:pPr>
+            <a:r>
+              <a:rPr lang="en-US" dirty="0"/>
+              <a:t>Additionally, a scatterplot is shown for payload mass values ranging between </a:t>
+            </a:r>
+            <a:r>
+              <a:rPr lang="en-US" b="1" dirty="0"/>
+              <a:t>2000 kg and 8000 kg</a:t>
+            </a:r>
+            <a:r>
+              <a:rPr lang="en-US" dirty="0"/>
+              <a:t>.</a:t>
+            </a:r>
+          </a:p>
+          <a:p>
+            <a:pPr>
+              <a:buFont typeface="Arial" panose="020B0604020202020204" pitchFamily="34" charset="0"/>
+              <a:buChar char="•"/>
+            </a:pPr>
+            <a:r>
+              <a:rPr lang="en-US" dirty="0"/>
+              <a:t>In this plot, </a:t>
+            </a:r>
+            <a:r>
+              <a:rPr lang="en-US" b="1" dirty="0"/>
+              <a:t>Class 0 represents failed launches</a:t>
+            </a:r>
+            <a:r>
+              <a:rPr lang="en-US" dirty="0"/>
+              <a:t> and </a:t>
+            </a:r>
+            <a:r>
+              <a:rPr lang="en-US" b="1" dirty="0"/>
+              <a:t>Class 1 represents successful launches</a:t>
+            </a:r>
+            <a:r>
+              <a:rPr lang="en-US" dirty="0"/>
+              <a:t>.</a:t>
+            </a:r>
+          </a:p>
+          <a:p>
+            <a:pPr>
+              <a:buNone/>
+            </a:pPr>
+            <a:r>
+              <a:rPr lang="en-US" b="1" dirty="0"/>
+              <a:t>Machine Learning Model Performance</a:t>
+            </a:r>
+          </a:p>
+          <a:p>
+            <a:pPr>
+              <a:buNone/>
+            </a:pPr>
+            <a:r>
+              <a:rPr lang="en-US" dirty="0"/>
+              <a:t>Several models were trained and evaluated for predicting launch success:</a:t>
+            </a:r>
+          </a:p>
+        </p:txBody>
+      </p:sp>
+    </p:spTree>
+    <p:extLst>
+      <p:ext uri="{BB962C8B-B14F-4D97-AF65-F5344CB8AC3E}">
+        <p14:creationId xmlns:p14="http://schemas.microsoft.com/office/powerpoint/2010/main" val="3267757171"/>
+      </p:ext>
+    </p:extLst>
+  </p:cSld>
+  <p:clrMapOvr>
+    <a:masterClrMapping/>
+  </p:clrMapOvr>
+</p:sld>
+</file>
+
+<file path=ppt/slides/slide16.xml><?xml version="1.0" encoding="utf-8"?>
+<p:sld xmlns:a="http://schemas.openxmlformats.org/drawingml/2006/main" xmlns:r="http://schemas.openxmlformats.org/officeDocument/2006/relationships" xmlns:p="http://schemas.openxmlformats.org/presentationml/2006/main">
+  <p:cSld>
+    <p:spTree>
+      <p:nvGrpSpPr>
+        <p:cNvPr id="1" name="">
+          <a:extLst>
+            <a:ext uri="{FF2B5EF4-FFF2-40B4-BE49-F238E27FC236}">
+              <a16:creationId xmlns:a16="http://schemas.microsoft.com/office/drawing/2014/main" id="{FB4391CA-7467-9CB8-E7B4-3079785696B6}"/>
+            </a:ext>
+          </a:extLst>
+        </p:cNvPr>
+        <p:cNvGrpSpPr/>
+        <p:nvPr/>
+      </p:nvGrpSpPr>
+      <p:grpSpPr>
+        <a:xfrm>
+          <a:off x="0" y="0"/>
+          <a:ext cx="0" cy="0"/>
+          <a:chOff x="0" y="0"/>
+          <a:chExt cx="0" cy="0"/>
+        </a:xfrm>
+      </p:grpSpPr>
+      <p:grpSp>
+        <p:nvGrpSpPr>
+          <p:cNvPr id="2" name="object 2">
+            <a:extLst>
+              <a:ext uri="{FF2B5EF4-FFF2-40B4-BE49-F238E27FC236}">
+                <a16:creationId xmlns:a16="http://schemas.microsoft.com/office/drawing/2014/main" id="{4CBF6FD5-1E78-BB2A-319F-F6CC0C33E0F4}"/>
+              </a:ext>
+            </a:extLst>
+          </p:cNvPr>
+          <p:cNvGrpSpPr/>
+          <p:nvPr/>
+        </p:nvGrpSpPr>
+        <p:grpSpPr>
+          <a:xfrm>
+            <a:off x="-1" y="6333490"/>
+            <a:ext cx="12192000" cy="524510"/>
+            <a:chOff x="0" y="6333745"/>
+            <a:chExt cx="12192000" cy="524510"/>
+          </a:xfrm>
+          <a:solidFill>
+            <a:schemeClr val="tx2">
+              <a:lumMod val="60000"/>
+              <a:lumOff val="40000"/>
+            </a:schemeClr>
+          </a:solidFill>
+        </p:grpSpPr>
+        <p:sp>
+          <p:nvSpPr>
+            <p:cNvPr id="3" name="object 3">
+              <a:extLst>
+                <a:ext uri="{FF2B5EF4-FFF2-40B4-BE49-F238E27FC236}">
+                  <a16:creationId xmlns:a16="http://schemas.microsoft.com/office/drawing/2014/main" id="{4F866112-ED57-EFA7-6BE2-CF5E7BDA7334}"/>
+                </a:ext>
+              </a:extLst>
+            </p:cNvPr>
+            <p:cNvSpPr/>
+            <p:nvPr/>
+          </p:nvSpPr>
+          <p:spPr>
+            <a:xfrm>
+              <a:off x="3047" y="6400798"/>
+              <a:ext cx="12188825" cy="457200"/>
+            </a:xfrm>
+            <a:custGeom>
+              <a:avLst/>
+              <a:gdLst/>
+              <a:ahLst/>
+              <a:cxnLst/>
+              <a:rect l="l" t="t" r="r" b="b"/>
+              <a:pathLst>
+                <a:path w="12188825" h="457200">
+                  <a:moveTo>
+                    <a:pt x="12188444" y="0"/>
+                  </a:moveTo>
+                  <a:lnTo>
+                    <a:pt x="0" y="0"/>
+                  </a:lnTo>
+                  <a:lnTo>
+                    <a:pt x="0" y="457199"/>
+                  </a:lnTo>
+                  <a:lnTo>
+                    <a:pt x="12188444" y="457199"/>
+                  </a:lnTo>
+                  <a:lnTo>
+                    <a:pt x="12188444" y="0"/>
+                  </a:lnTo>
+                  <a:close/>
+                </a:path>
+              </a:pathLst>
+            </a:custGeom>
+            <a:grpFill/>
+            <a:ln>
+              <a:solidFill>
+                <a:schemeClr val="tx2">
+                  <a:lumMod val="50000"/>
+                </a:schemeClr>
+              </a:solidFill>
+            </a:ln>
+          </p:spPr>
+          <p:txBody>
+            <a:bodyPr wrap="square" lIns="0" tIns="0" rIns="0" bIns="0" rtlCol="0"/>
+            <a:lstStyle/>
+            <a:p>
+              <a:endParaRPr dirty="0"/>
+            </a:p>
+          </p:txBody>
+        </p:sp>
+        <p:sp>
+          <p:nvSpPr>
+            <p:cNvPr id="4" name="object 4">
+              <a:extLst>
+                <a:ext uri="{FF2B5EF4-FFF2-40B4-BE49-F238E27FC236}">
+                  <a16:creationId xmlns:a16="http://schemas.microsoft.com/office/drawing/2014/main" id="{AB1AC1E2-BC06-DCF2-8EC1-EAF7BEE7A1B4}"/>
+                </a:ext>
+              </a:extLst>
+            </p:cNvPr>
+            <p:cNvSpPr/>
+            <p:nvPr/>
+          </p:nvSpPr>
+          <p:spPr>
+            <a:xfrm>
+              <a:off x="0" y="6333745"/>
+              <a:ext cx="12188825" cy="64135"/>
+            </a:xfrm>
+            <a:custGeom>
+              <a:avLst/>
+              <a:gdLst/>
+              <a:ahLst/>
+              <a:cxnLst/>
+              <a:rect l="l" t="t" r="r" b="b"/>
+              <a:pathLst>
+                <a:path w="12188825" h="64135">
+                  <a:moveTo>
+                    <a:pt x="12188444" y="0"/>
+                  </a:moveTo>
+                  <a:lnTo>
+                    <a:pt x="0" y="0"/>
+                  </a:lnTo>
+                  <a:lnTo>
+                    <a:pt x="0" y="63879"/>
+                  </a:lnTo>
+                  <a:lnTo>
+                    <a:pt x="12188444" y="63879"/>
+                  </a:lnTo>
+                  <a:lnTo>
+                    <a:pt x="12188444" y="0"/>
+                  </a:lnTo>
+                  <a:close/>
+                </a:path>
+              </a:pathLst>
+            </a:custGeom>
+            <a:grpFill/>
+            <a:ln>
+              <a:solidFill>
+                <a:schemeClr val="tx2">
+                  <a:lumMod val="50000"/>
+                </a:schemeClr>
+              </a:solidFill>
+            </a:ln>
+          </p:spPr>
+          <p:txBody>
+            <a:bodyPr wrap="square" lIns="0" tIns="0" rIns="0" bIns="0" rtlCol="0"/>
+            <a:lstStyle/>
+            <a:p>
+              <a:endParaRPr/>
+            </a:p>
+          </p:txBody>
+        </p:sp>
+      </p:grpSp>
+      <p:sp>
+        <p:nvSpPr>
+          <p:cNvPr id="5" name="object 5">
+            <a:extLst>
+              <a:ext uri="{FF2B5EF4-FFF2-40B4-BE49-F238E27FC236}">
+                <a16:creationId xmlns:a16="http://schemas.microsoft.com/office/drawing/2014/main" id="{098D72D5-8166-39E3-0F2B-D1E755A10A69}"/>
+              </a:ext>
+            </a:extLst>
+          </p:cNvPr>
+          <p:cNvSpPr/>
+          <p:nvPr/>
+        </p:nvSpPr>
+        <p:spPr>
+          <a:xfrm>
+            <a:off x="1207008" y="4343400"/>
+            <a:ext cx="9875520" cy="0"/>
+          </a:xfrm>
+          <a:custGeom>
+            <a:avLst/>
+            <a:gdLst/>
+            <a:ahLst/>
+            <a:cxnLst/>
+            <a:rect l="l" t="t" r="r" b="b"/>
+            <a:pathLst>
+              <a:path w="9875520">
+                <a:moveTo>
+                  <a:pt x="0" y="0"/>
+                </a:moveTo>
+                <a:lnTo>
+                  <a:pt x="9875520" y="0"/>
+                </a:lnTo>
+              </a:path>
+            </a:pathLst>
+          </a:custGeom>
+          <a:ln w="6096">
+            <a:solidFill>
+              <a:srgbClr val="7D7D7D"/>
+            </a:solidFill>
+          </a:ln>
+        </p:spPr>
+        <p:txBody>
+          <a:bodyPr wrap="square" lIns="0" tIns="0" rIns="0" bIns="0" rtlCol="0"/>
+          <a:lstStyle/>
+          <a:p>
+            <a:endParaRPr/>
+          </a:p>
+        </p:txBody>
+      </p:sp>
+      <p:sp>
+        <p:nvSpPr>
+          <p:cNvPr id="7" name="ZoneTexte 6">
+            <a:extLst>
+              <a:ext uri="{FF2B5EF4-FFF2-40B4-BE49-F238E27FC236}">
+                <a16:creationId xmlns:a16="http://schemas.microsoft.com/office/drawing/2014/main" id="{70F3168B-DBDA-AC4C-9904-9C177429CE2F}"/>
+              </a:ext>
+            </a:extLst>
+          </p:cNvPr>
+          <p:cNvSpPr txBox="1"/>
+          <p:nvPr/>
+        </p:nvSpPr>
+        <p:spPr>
+          <a:xfrm>
+            <a:off x="459922" y="280749"/>
+            <a:ext cx="11732078" cy="3139321"/>
+          </a:xfrm>
+          <a:prstGeom prst="rect">
+            <a:avLst/>
+          </a:prstGeom>
+          <a:noFill/>
+        </p:spPr>
+        <p:txBody>
+          <a:bodyPr wrap="square">
+            <a:spAutoFit/>
+          </a:bodyPr>
+          <a:lstStyle/>
+          <a:p>
+            <a:pPr>
+              <a:buNone/>
+            </a:pPr>
+            <a:r>
+              <a:rPr lang="en-US" b="1" dirty="0"/>
+              <a:t>1. Logistic Regression</a:t>
+            </a:r>
+          </a:p>
+          <a:p>
+            <a:pPr>
+              <a:buFont typeface="Arial" panose="020B0604020202020204" pitchFamily="34" charset="0"/>
+              <a:buChar char="•"/>
+            </a:pPr>
+            <a:r>
+              <a:rPr lang="en-US" b="1" dirty="0" err="1"/>
+              <a:t>GridSearchCV</a:t>
+            </a:r>
+            <a:r>
+              <a:rPr lang="en-US" b="1" dirty="0"/>
+              <a:t> best score</a:t>
+            </a:r>
+            <a:r>
+              <a:rPr lang="en-US" dirty="0"/>
+              <a:t>: </a:t>
+            </a:r>
+            <a:r>
+              <a:rPr lang="en-US" b="1" dirty="0"/>
+              <a:t>0.8464</a:t>
+            </a:r>
+            <a:endParaRPr lang="en-US" dirty="0"/>
+          </a:p>
+          <a:p>
+            <a:pPr>
+              <a:buFont typeface="Arial" panose="020B0604020202020204" pitchFamily="34" charset="0"/>
+              <a:buChar char="•"/>
+            </a:pPr>
+            <a:r>
+              <a:rPr lang="en-US" b="1" dirty="0"/>
+              <a:t>Accuracy on test set</a:t>
+            </a:r>
+            <a:r>
+              <a:rPr lang="en-US" dirty="0"/>
+              <a:t>: </a:t>
+            </a:r>
+            <a:r>
+              <a:rPr lang="en-US" b="1" dirty="0"/>
+              <a:t>0.8333</a:t>
+            </a:r>
+            <a:endParaRPr lang="en-US" dirty="0"/>
+          </a:p>
+          <a:p>
+            <a:pPr>
+              <a:buFont typeface="Arial" panose="020B0604020202020204" pitchFamily="34" charset="0"/>
+              <a:buChar char="•"/>
+            </a:pPr>
+            <a:r>
+              <a:rPr lang="en-US" b="1" dirty="0"/>
+              <a:t>Confusion matrix available</a:t>
+            </a:r>
+            <a:endParaRPr lang="en-US" dirty="0"/>
+          </a:p>
+          <a:p>
+            <a:pPr>
+              <a:buNone/>
+            </a:pPr>
+            <a:r>
+              <a:rPr lang="en-US" b="1" dirty="0"/>
+              <a:t>2. Support Vector Machine (SVM)</a:t>
+            </a:r>
+          </a:p>
+          <a:p>
+            <a:pPr>
+              <a:buFont typeface="Arial" panose="020B0604020202020204" pitchFamily="34" charset="0"/>
+              <a:buChar char="•"/>
+            </a:pPr>
+            <a:r>
+              <a:rPr lang="en-US" b="1" dirty="0" err="1"/>
+              <a:t>GridSearchCV</a:t>
+            </a:r>
+            <a:r>
+              <a:rPr lang="en-US" b="1" dirty="0"/>
+              <a:t> best score</a:t>
+            </a:r>
+            <a:r>
+              <a:rPr lang="en-US" dirty="0"/>
+              <a:t>: </a:t>
+            </a:r>
+            <a:r>
+              <a:rPr lang="en-US" b="1" dirty="0"/>
+              <a:t>0.8482</a:t>
+            </a:r>
+            <a:endParaRPr lang="en-US" dirty="0"/>
+          </a:p>
+          <a:p>
+            <a:pPr>
+              <a:buFont typeface="Arial" panose="020B0604020202020204" pitchFamily="34" charset="0"/>
+              <a:buChar char="•"/>
+            </a:pPr>
+            <a:r>
+              <a:rPr lang="en-US" b="1" dirty="0"/>
+              <a:t>Accuracy on test set</a:t>
+            </a:r>
+            <a:r>
+              <a:rPr lang="en-US" dirty="0"/>
+              <a:t>: </a:t>
+            </a:r>
+            <a:r>
+              <a:rPr lang="en-US" b="1" dirty="0"/>
+              <a:t>0.8333</a:t>
+            </a:r>
+            <a:endParaRPr lang="en-US" dirty="0"/>
+          </a:p>
+          <a:p>
+            <a:pPr>
+              <a:buFont typeface="Arial" panose="020B0604020202020204" pitchFamily="34" charset="0"/>
+              <a:buChar char="•"/>
+            </a:pPr>
+            <a:r>
+              <a:rPr lang="en-US" b="1" dirty="0"/>
+              <a:t>Confusion matrix available</a:t>
+            </a:r>
+            <a:endParaRPr lang="en-US" dirty="0"/>
+          </a:p>
+          <a:p>
+            <a:pPr>
+              <a:buNone/>
+            </a:pPr>
+            <a:r>
+              <a:rPr lang="en-US" b="1" dirty="0"/>
+              <a:t>Comparison of Model Performance</a:t>
+            </a:r>
+          </a:p>
+          <a:p>
+            <a:pPr>
+              <a:buNone/>
+            </a:pPr>
+            <a:r>
+              <a:rPr lang="en-US" dirty="0"/>
+              <a:t>When comparing the four models, all produced </a:t>
+            </a:r>
+            <a:r>
+              <a:rPr lang="en-US" b="1" dirty="0"/>
+              <a:t>the same accuracy and confusion matrix</a:t>
+            </a:r>
+            <a:r>
+              <a:rPr lang="en-US" dirty="0"/>
+              <a:t> on the test set.</a:t>
+            </a:r>
+            <a:br>
+              <a:rPr lang="en-US" dirty="0"/>
+            </a:br>
+            <a:r>
+              <a:rPr lang="en-US" dirty="0"/>
+              <a:t>Thus, the </a:t>
+            </a:r>
+            <a:r>
+              <a:rPr lang="en-US" b="1" dirty="0" err="1"/>
+              <a:t>GridSearchCV</a:t>
+            </a:r>
+            <a:r>
+              <a:rPr lang="en-US" b="1" dirty="0"/>
+              <a:t> best score</a:t>
+            </a:r>
+            <a:r>
+              <a:rPr lang="en-US" dirty="0"/>
+              <a:t> is used to rank them:</a:t>
+            </a:r>
+          </a:p>
+        </p:txBody>
+      </p:sp>
+    </p:spTree>
+    <p:extLst>
+      <p:ext uri="{BB962C8B-B14F-4D97-AF65-F5344CB8AC3E}">
+        <p14:creationId xmlns:p14="http://schemas.microsoft.com/office/powerpoint/2010/main" val="2615577775"/>
+      </p:ext>
+    </p:extLst>
+  </p:cSld>
+  <p:clrMapOvr>
+    <a:masterClrMapping/>
+  </p:clrMapOvr>
+</p:sld>
+</file>
+
+<file path=ppt/slides/slide17.xml><?xml version="1.0" encoding="utf-8"?>
+<p:sld xmlns:a="http://schemas.openxmlformats.org/drawingml/2006/main" xmlns:r="http://schemas.openxmlformats.org/officeDocument/2006/relationships" xmlns:p="http://schemas.openxmlformats.org/presentationml/2006/main">
+  <p:cSld>
+    <p:spTree>
+      <p:nvGrpSpPr>
+        <p:cNvPr id="1" name=""/>
+        <p:cNvGrpSpPr/>
+        <p:nvPr/>
+      </p:nvGrpSpPr>
+      <p:grpSpPr>
+        <a:xfrm>
+          <a:off x="0" y="0"/>
+          <a:ext cx="0" cy="0"/>
+          <a:chOff x="0" y="0"/>
+          <a:chExt cx="0" cy="0"/>
+        </a:xfrm>
+      </p:grpSpPr>
+      <p:sp>
+        <p:nvSpPr>
+          <p:cNvPr id="6" name="ZoneTexte 5">
+            <a:extLst>
+              <a:ext uri="{FF2B5EF4-FFF2-40B4-BE49-F238E27FC236}">
+                <a16:creationId xmlns:a16="http://schemas.microsoft.com/office/drawing/2014/main" id="{32B05368-3CAA-AFF8-E043-57CBF4EFC757}"/>
+              </a:ext>
+            </a:extLst>
+          </p:cNvPr>
+          <p:cNvSpPr txBox="1"/>
+          <p:nvPr/>
+        </p:nvSpPr>
+        <p:spPr>
+          <a:xfrm>
+            <a:off x="674913" y="326571"/>
+            <a:ext cx="11081657" cy="1754326"/>
+          </a:xfrm>
+          <a:prstGeom prst="rect">
+            <a:avLst/>
+          </a:prstGeom>
+          <a:noFill/>
+        </p:spPr>
+        <p:txBody>
+          <a:bodyPr wrap="square">
+            <a:spAutoFit/>
+          </a:bodyPr>
+          <a:lstStyle/>
+          <a:p>
+            <a:r>
+              <a:rPr lang="en-US" dirty="0"/>
+              <a:t>In this project, we try to predict if the first stage of a given Falcon 9 launch will land in order to determine the cost of a launch. • Each feature of a Falcon 9 launch, such as its payload mass or orbit type, may affect the mission outcome in a certain way. • Several machine learning algorithms are employed to learn the patterns of past Falcon 9 launch data to produce predictive models that can be used to predict the outcome of a Falcon 9 launch. • The predictive model produced by decision tree algorithm performed the best </a:t>
+            </a:r>
+            <a:r>
+              <a:rPr lang="en-US" dirty="0" err="1"/>
+              <a:t>amongthe</a:t>
+            </a:r>
+            <a:r>
+              <a:rPr lang="en-US" dirty="0"/>
+              <a:t> 4machine learning algorithms employed</a:t>
+            </a:r>
+            <a:endParaRPr lang="fr-FR" dirty="0"/>
+          </a:p>
+        </p:txBody>
+      </p:sp>
+      <p:grpSp>
+        <p:nvGrpSpPr>
+          <p:cNvPr id="7" name="object 2">
+            <a:extLst>
+              <a:ext uri="{FF2B5EF4-FFF2-40B4-BE49-F238E27FC236}">
+                <a16:creationId xmlns:a16="http://schemas.microsoft.com/office/drawing/2014/main" id="{091EC96F-5686-8D81-EE3F-10CB8A206CEE}"/>
+              </a:ext>
+            </a:extLst>
+          </p:cNvPr>
+          <p:cNvGrpSpPr/>
+          <p:nvPr/>
+        </p:nvGrpSpPr>
+        <p:grpSpPr>
+          <a:xfrm>
+            <a:off x="-1" y="6333490"/>
+            <a:ext cx="12192000" cy="524510"/>
+            <a:chOff x="0" y="6333745"/>
+            <a:chExt cx="12192000" cy="524510"/>
+          </a:xfrm>
+          <a:solidFill>
+            <a:schemeClr val="tx2">
+              <a:lumMod val="60000"/>
+              <a:lumOff val="40000"/>
+            </a:schemeClr>
+          </a:solidFill>
+        </p:grpSpPr>
+        <p:sp>
+          <p:nvSpPr>
+            <p:cNvPr id="8" name="object 3">
+              <a:extLst>
+                <a:ext uri="{FF2B5EF4-FFF2-40B4-BE49-F238E27FC236}">
+                  <a16:creationId xmlns:a16="http://schemas.microsoft.com/office/drawing/2014/main" id="{B48085DA-4C1C-61E0-775A-B212D940B9C4}"/>
+                </a:ext>
+              </a:extLst>
+            </p:cNvPr>
+            <p:cNvSpPr/>
+            <p:nvPr/>
+          </p:nvSpPr>
+          <p:spPr>
+            <a:xfrm>
+              <a:off x="3047" y="6400798"/>
+              <a:ext cx="12188825" cy="457200"/>
+            </a:xfrm>
+            <a:custGeom>
+              <a:avLst/>
+              <a:gdLst/>
+              <a:ahLst/>
+              <a:cxnLst/>
+              <a:rect l="l" t="t" r="r" b="b"/>
+              <a:pathLst>
+                <a:path w="12188825" h="457200">
+                  <a:moveTo>
+                    <a:pt x="12188444" y="0"/>
+                  </a:moveTo>
+                  <a:lnTo>
+                    <a:pt x="0" y="0"/>
+                  </a:lnTo>
+                  <a:lnTo>
+                    <a:pt x="0" y="457199"/>
+                  </a:lnTo>
+                  <a:lnTo>
+                    <a:pt x="12188444" y="457199"/>
+                  </a:lnTo>
+                  <a:lnTo>
+                    <a:pt x="12188444" y="0"/>
+                  </a:lnTo>
+                  <a:close/>
+                </a:path>
+              </a:pathLst>
+            </a:custGeom>
+            <a:grpFill/>
+            <a:ln>
+              <a:solidFill>
+                <a:schemeClr val="tx2">
+                  <a:lumMod val="50000"/>
+                </a:schemeClr>
+              </a:solidFill>
+            </a:ln>
+          </p:spPr>
+          <p:txBody>
+            <a:bodyPr wrap="square" lIns="0" tIns="0" rIns="0" bIns="0" rtlCol="0"/>
+            <a:lstStyle/>
+            <a:p>
+              <a:endParaRPr dirty="0"/>
+            </a:p>
+          </p:txBody>
+        </p:sp>
+        <p:sp>
+          <p:nvSpPr>
+            <p:cNvPr id="9" name="object 4">
+              <a:extLst>
+                <a:ext uri="{FF2B5EF4-FFF2-40B4-BE49-F238E27FC236}">
+                  <a16:creationId xmlns:a16="http://schemas.microsoft.com/office/drawing/2014/main" id="{C67168C3-BCDD-34DA-31D6-A183FA473E20}"/>
+                </a:ext>
+              </a:extLst>
+            </p:cNvPr>
+            <p:cNvSpPr/>
+            <p:nvPr/>
+          </p:nvSpPr>
+          <p:spPr>
+            <a:xfrm>
+              <a:off x="0" y="6333745"/>
+              <a:ext cx="12188825" cy="64135"/>
+            </a:xfrm>
+            <a:custGeom>
+              <a:avLst/>
+              <a:gdLst/>
+              <a:ahLst/>
+              <a:cxnLst/>
+              <a:rect l="l" t="t" r="r" b="b"/>
+              <a:pathLst>
+                <a:path w="12188825" h="64135">
+                  <a:moveTo>
+                    <a:pt x="12188444" y="0"/>
+                  </a:moveTo>
+                  <a:lnTo>
+                    <a:pt x="0" y="0"/>
+                  </a:lnTo>
+                  <a:lnTo>
+                    <a:pt x="0" y="63879"/>
+                  </a:lnTo>
+                  <a:lnTo>
+                    <a:pt x="12188444" y="63879"/>
+                  </a:lnTo>
+                  <a:lnTo>
+                    <a:pt x="12188444" y="0"/>
+                  </a:lnTo>
+                  <a:close/>
+                </a:path>
+              </a:pathLst>
+            </a:custGeom>
+            <a:grpFill/>
+            <a:ln>
+              <a:solidFill>
+                <a:schemeClr val="tx2">
+                  <a:lumMod val="50000"/>
+                </a:schemeClr>
+              </a:solidFill>
+            </a:ln>
+          </p:spPr>
+          <p:txBody>
+            <a:bodyPr wrap="square" lIns="0" tIns="0" rIns="0" bIns="0" rtlCol="0"/>
+            <a:lstStyle/>
+            <a:p>
+              <a:endParaRPr/>
+            </a:p>
+          </p:txBody>
+        </p:sp>
+      </p:grpSp>
+    </p:spTree>
+    <p:extLst>
+      <p:ext uri="{BB962C8B-B14F-4D97-AF65-F5344CB8AC3E}">
+        <p14:creationId xmlns:p14="http://schemas.microsoft.com/office/powerpoint/2010/main" val="2274778029"/>
+      </p:ext>
+    </p:extLst>
+  </p:cSld>
+  <p:clrMapOvr>
+    <a:masterClrMapping/>
+  </p:clrMapOvr>
+</p:sld>
+</file>
+
+<file path=ppt/slides/slide18.xml><?xml version="1.0" encoding="utf-8"?>
+<p:sld xmlns:a="http://schemas.openxmlformats.org/drawingml/2006/main" xmlns:r="http://schemas.openxmlformats.org/officeDocument/2006/relationships" xmlns:p="http://schemas.openxmlformats.org/presentationml/2006/main">
+  <p:cSld>
+    <p:spTree>
+      <p:nvGrpSpPr>
+        <p:cNvPr id="1" name="">
+          <a:extLst>
+            <a:ext uri="{FF2B5EF4-FFF2-40B4-BE49-F238E27FC236}">
+              <a16:creationId xmlns:a16="http://schemas.microsoft.com/office/drawing/2014/main" id="{D5DB51EB-22EC-05F5-4694-750A5BFDF68C}"/>
+            </a:ext>
+          </a:extLst>
+        </p:cNvPr>
+        <p:cNvGrpSpPr/>
+        <p:nvPr/>
+      </p:nvGrpSpPr>
+      <p:grpSpPr>
+        <a:xfrm>
+          <a:off x="0" y="0"/>
+          <a:ext cx="0" cy="0"/>
+          <a:chOff x="0" y="0"/>
+          <a:chExt cx="0" cy="0"/>
+        </a:xfrm>
+      </p:grpSpPr>
+      <p:grpSp>
+        <p:nvGrpSpPr>
+          <p:cNvPr id="7" name="object 2">
+            <a:extLst>
+              <a:ext uri="{FF2B5EF4-FFF2-40B4-BE49-F238E27FC236}">
+                <a16:creationId xmlns:a16="http://schemas.microsoft.com/office/drawing/2014/main" id="{5F734FF0-110F-4230-618B-1DACD0F67964}"/>
+              </a:ext>
+            </a:extLst>
+          </p:cNvPr>
+          <p:cNvGrpSpPr/>
+          <p:nvPr/>
+        </p:nvGrpSpPr>
+        <p:grpSpPr>
+          <a:xfrm>
+            <a:off x="-1" y="6333490"/>
+            <a:ext cx="12192000" cy="524510"/>
+            <a:chOff x="0" y="6333745"/>
+            <a:chExt cx="12192000" cy="524510"/>
+          </a:xfrm>
+          <a:solidFill>
+            <a:schemeClr val="tx2">
+              <a:lumMod val="60000"/>
+              <a:lumOff val="40000"/>
+            </a:schemeClr>
+          </a:solidFill>
+        </p:grpSpPr>
+        <p:sp>
+          <p:nvSpPr>
+            <p:cNvPr id="8" name="object 3">
+              <a:extLst>
+                <a:ext uri="{FF2B5EF4-FFF2-40B4-BE49-F238E27FC236}">
+                  <a16:creationId xmlns:a16="http://schemas.microsoft.com/office/drawing/2014/main" id="{D8D91EDA-8693-B3EA-1477-970927BC4C1D}"/>
+                </a:ext>
+              </a:extLst>
+            </p:cNvPr>
+            <p:cNvSpPr/>
+            <p:nvPr/>
+          </p:nvSpPr>
+          <p:spPr>
+            <a:xfrm>
+              <a:off x="3047" y="6400798"/>
+              <a:ext cx="12188825" cy="457200"/>
+            </a:xfrm>
+            <a:custGeom>
+              <a:avLst/>
+              <a:gdLst/>
+              <a:ahLst/>
+              <a:cxnLst/>
+              <a:rect l="l" t="t" r="r" b="b"/>
+              <a:pathLst>
+                <a:path w="12188825" h="457200">
+                  <a:moveTo>
+                    <a:pt x="12188444" y="0"/>
+                  </a:moveTo>
+                  <a:lnTo>
+                    <a:pt x="0" y="0"/>
+                  </a:lnTo>
+                  <a:lnTo>
+                    <a:pt x="0" y="457199"/>
+                  </a:lnTo>
+                  <a:lnTo>
+                    <a:pt x="12188444" y="457199"/>
+                  </a:lnTo>
+                  <a:lnTo>
+                    <a:pt x="12188444" y="0"/>
+                  </a:lnTo>
+                  <a:close/>
+                </a:path>
+              </a:pathLst>
+            </a:custGeom>
+            <a:grpFill/>
+            <a:ln>
+              <a:solidFill>
+                <a:schemeClr val="tx2">
+                  <a:lumMod val="50000"/>
+                </a:schemeClr>
+              </a:solidFill>
+            </a:ln>
+          </p:spPr>
+          <p:txBody>
+            <a:bodyPr wrap="square" lIns="0" tIns="0" rIns="0" bIns="0" rtlCol="0"/>
+            <a:lstStyle/>
+            <a:p>
+              <a:endParaRPr dirty="0"/>
+            </a:p>
+          </p:txBody>
+        </p:sp>
+        <p:sp>
+          <p:nvSpPr>
+            <p:cNvPr id="9" name="object 4">
+              <a:extLst>
+                <a:ext uri="{FF2B5EF4-FFF2-40B4-BE49-F238E27FC236}">
+                  <a16:creationId xmlns:a16="http://schemas.microsoft.com/office/drawing/2014/main" id="{4A80198D-3B9E-EBF2-3A14-3289661019BF}"/>
+                </a:ext>
+              </a:extLst>
+            </p:cNvPr>
+            <p:cNvSpPr/>
+            <p:nvPr/>
+          </p:nvSpPr>
+          <p:spPr>
+            <a:xfrm>
+              <a:off x="0" y="6333745"/>
+              <a:ext cx="12188825" cy="64135"/>
+            </a:xfrm>
+            <a:custGeom>
+              <a:avLst/>
+              <a:gdLst/>
+              <a:ahLst/>
+              <a:cxnLst/>
+              <a:rect l="l" t="t" r="r" b="b"/>
+              <a:pathLst>
+                <a:path w="12188825" h="64135">
+                  <a:moveTo>
+                    <a:pt x="12188444" y="0"/>
+                  </a:moveTo>
+                  <a:lnTo>
+                    <a:pt x="0" y="0"/>
+                  </a:lnTo>
+                  <a:lnTo>
+                    <a:pt x="0" y="63879"/>
+                  </a:lnTo>
+                  <a:lnTo>
+                    <a:pt x="12188444" y="63879"/>
+                  </a:lnTo>
+                  <a:lnTo>
+                    <a:pt x="12188444" y="0"/>
+                  </a:lnTo>
+                  <a:close/>
+                </a:path>
+              </a:pathLst>
+            </a:custGeom>
+            <a:grpFill/>
+            <a:ln>
+              <a:solidFill>
+                <a:schemeClr val="tx2">
+                  <a:lumMod val="50000"/>
+                </a:schemeClr>
+              </a:solidFill>
+            </a:ln>
+          </p:spPr>
+          <p:txBody>
+            <a:bodyPr wrap="square" lIns="0" tIns="0" rIns="0" bIns="0" rtlCol="0"/>
+            <a:lstStyle/>
+            <a:p>
+              <a:endParaRPr/>
+            </a:p>
+          </p:txBody>
+        </p:sp>
+      </p:grpSp>
+      <p:pic>
+        <p:nvPicPr>
+          <p:cNvPr id="3" name="Image 2">
+            <a:extLst>
+              <a:ext uri="{FF2B5EF4-FFF2-40B4-BE49-F238E27FC236}">
+                <a16:creationId xmlns:a16="http://schemas.microsoft.com/office/drawing/2014/main" id="{4EB17228-C3D6-6532-101F-63E3EE1AF59A}"/>
+              </a:ext>
+            </a:extLst>
+          </p:cNvPr>
+          <p:cNvPicPr>
+            <a:picLocks noChangeAspect="1"/>
+          </p:cNvPicPr>
+          <p:nvPr/>
+        </p:nvPicPr>
+        <p:blipFill>
+          <a:blip r:embed="rId2"/>
+          <a:stretch>
+            <a:fillRect/>
+          </a:stretch>
+        </p:blipFill>
+        <p:spPr>
+          <a:xfrm>
+            <a:off x="544226" y="297897"/>
+            <a:ext cx="9187603" cy="5515074"/>
+          </a:xfrm>
+          <a:prstGeom prst="rect">
+            <a:avLst/>
+          </a:prstGeom>
+        </p:spPr>
+      </p:pic>
+    </p:spTree>
+    <p:extLst>
+      <p:ext uri="{BB962C8B-B14F-4D97-AF65-F5344CB8AC3E}">
+        <p14:creationId xmlns:p14="http://schemas.microsoft.com/office/powerpoint/2010/main" val="116948245"/>
+      </p:ext>
+    </p:extLst>
+  </p:cSld>
+  <p:clrMapOvr>
+    <a:masterClrMapping/>
+  </p:clrMapOvr>
+</p:sld>
+</file>
+
+<file path=ppt/slides/slide19.xml><?xml version="1.0" encoding="utf-8"?>
+<p:sld xmlns:a="http://schemas.openxmlformats.org/drawingml/2006/main" xmlns:r="http://schemas.openxmlformats.org/officeDocument/2006/relationships" xmlns:p="http://schemas.openxmlformats.org/presentationml/2006/main">
+  <p:cSld>
+    <p:spTree>
+      <p:nvGrpSpPr>
+        <p:cNvPr id="1" name="">
+          <a:extLst>
+            <a:ext uri="{FF2B5EF4-FFF2-40B4-BE49-F238E27FC236}">
+              <a16:creationId xmlns:a16="http://schemas.microsoft.com/office/drawing/2014/main" id="{0687FB91-7081-DFDF-DB31-E42B498C0D46}"/>
+            </a:ext>
+          </a:extLst>
+        </p:cNvPr>
+        <p:cNvGrpSpPr/>
+        <p:nvPr/>
+      </p:nvGrpSpPr>
+      <p:grpSpPr>
+        <a:xfrm>
+          <a:off x="0" y="0"/>
+          <a:ext cx="0" cy="0"/>
+          <a:chOff x="0" y="0"/>
+          <a:chExt cx="0" cy="0"/>
+        </a:xfrm>
+      </p:grpSpPr>
+      <p:grpSp>
+        <p:nvGrpSpPr>
+          <p:cNvPr id="7" name="object 2">
+            <a:extLst>
+              <a:ext uri="{FF2B5EF4-FFF2-40B4-BE49-F238E27FC236}">
+                <a16:creationId xmlns:a16="http://schemas.microsoft.com/office/drawing/2014/main" id="{8E391FC4-3163-AAC9-B47B-A59F2A62E56D}"/>
+              </a:ext>
+            </a:extLst>
+          </p:cNvPr>
+          <p:cNvGrpSpPr/>
+          <p:nvPr/>
+        </p:nvGrpSpPr>
+        <p:grpSpPr>
+          <a:xfrm>
+            <a:off x="-1" y="6333490"/>
+            <a:ext cx="12192000" cy="524510"/>
+            <a:chOff x="0" y="6333745"/>
+            <a:chExt cx="12192000" cy="524510"/>
+          </a:xfrm>
+          <a:solidFill>
+            <a:schemeClr val="tx2">
+              <a:lumMod val="60000"/>
+              <a:lumOff val="40000"/>
+            </a:schemeClr>
+          </a:solidFill>
+        </p:grpSpPr>
+        <p:sp>
+          <p:nvSpPr>
+            <p:cNvPr id="8" name="object 3">
+              <a:extLst>
+                <a:ext uri="{FF2B5EF4-FFF2-40B4-BE49-F238E27FC236}">
+                  <a16:creationId xmlns:a16="http://schemas.microsoft.com/office/drawing/2014/main" id="{CB6F9B8E-675A-C6F7-EEE7-0BAEFEC04CA1}"/>
+                </a:ext>
+              </a:extLst>
+            </p:cNvPr>
+            <p:cNvSpPr/>
+            <p:nvPr/>
+          </p:nvSpPr>
+          <p:spPr>
+            <a:xfrm>
+              <a:off x="3047" y="6400798"/>
+              <a:ext cx="12188825" cy="457200"/>
+            </a:xfrm>
+            <a:custGeom>
+              <a:avLst/>
+              <a:gdLst/>
+              <a:ahLst/>
+              <a:cxnLst/>
+              <a:rect l="l" t="t" r="r" b="b"/>
+              <a:pathLst>
+                <a:path w="12188825" h="457200">
+                  <a:moveTo>
+                    <a:pt x="12188444" y="0"/>
+                  </a:moveTo>
+                  <a:lnTo>
+                    <a:pt x="0" y="0"/>
+                  </a:lnTo>
+                  <a:lnTo>
+                    <a:pt x="0" y="457199"/>
+                  </a:lnTo>
+                  <a:lnTo>
+                    <a:pt x="12188444" y="457199"/>
+                  </a:lnTo>
+                  <a:lnTo>
+                    <a:pt x="12188444" y="0"/>
+                  </a:lnTo>
+                  <a:close/>
+                </a:path>
+              </a:pathLst>
+            </a:custGeom>
+            <a:grpFill/>
+            <a:ln>
+              <a:solidFill>
+                <a:schemeClr val="tx2">
+                  <a:lumMod val="50000"/>
+                </a:schemeClr>
+              </a:solidFill>
+            </a:ln>
+          </p:spPr>
+          <p:txBody>
+            <a:bodyPr wrap="square" lIns="0" tIns="0" rIns="0" bIns="0" rtlCol="0"/>
+            <a:lstStyle/>
+            <a:p>
+              <a:endParaRPr dirty="0"/>
+            </a:p>
+          </p:txBody>
+        </p:sp>
+        <p:sp>
+          <p:nvSpPr>
+            <p:cNvPr id="9" name="object 4">
+              <a:extLst>
+                <a:ext uri="{FF2B5EF4-FFF2-40B4-BE49-F238E27FC236}">
+                  <a16:creationId xmlns:a16="http://schemas.microsoft.com/office/drawing/2014/main" id="{0FBE4FCC-5269-E920-DF18-E30339B981BB}"/>
+                </a:ext>
+              </a:extLst>
+            </p:cNvPr>
+            <p:cNvSpPr/>
+            <p:nvPr/>
+          </p:nvSpPr>
+          <p:spPr>
+            <a:xfrm>
+              <a:off x="0" y="6333745"/>
+              <a:ext cx="12188825" cy="64135"/>
+            </a:xfrm>
+            <a:custGeom>
+              <a:avLst/>
+              <a:gdLst/>
+              <a:ahLst/>
+              <a:cxnLst/>
+              <a:rect l="l" t="t" r="r" b="b"/>
+              <a:pathLst>
+                <a:path w="12188825" h="64135">
+                  <a:moveTo>
+                    <a:pt x="12188444" y="0"/>
+                  </a:moveTo>
+                  <a:lnTo>
+                    <a:pt x="0" y="0"/>
+                  </a:lnTo>
+                  <a:lnTo>
+                    <a:pt x="0" y="63879"/>
+                  </a:lnTo>
+                  <a:lnTo>
+                    <a:pt x="12188444" y="63879"/>
+                  </a:lnTo>
+                  <a:lnTo>
+                    <a:pt x="12188444" y="0"/>
+                  </a:lnTo>
+                  <a:close/>
+                </a:path>
+              </a:pathLst>
+            </a:custGeom>
+            <a:grpFill/>
+            <a:ln>
+              <a:solidFill>
+                <a:schemeClr val="tx2">
+                  <a:lumMod val="50000"/>
+                </a:schemeClr>
+              </a:solidFill>
+            </a:ln>
+          </p:spPr>
+          <p:txBody>
+            <a:bodyPr wrap="square" lIns="0" tIns="0" rIns="0" bIns="0" rtlCol="0"/>
+            <a:lstStyle/>
+            <a:p>
+              <a:endParaRPr/>
+            </a:p>
+          </p:txBody>
+        </p:sp>
+      </p:grpSp>
+      <p:pic>
+        <p:nvPicPr>
+          <p:cNvPr id="4" name="Image 3">
+            <a:extLst>
+              <a:ext uri="{FF2B5EF4-FFF2-40B4-BE49-F238E27FC236}">
+                <a16:creationId xmlns:a16="http://schemas.microsoft.com/office/drawing/2014/main" id="{C74D39AF-BC7A-9C35-ABA8-C415EB0BD17C}"/>
+              </a:ext>
+            </a:extLst>
+          </p:cNvPr>
+          <p:cNvPicPr>
+            <a:picLocks noChangeAspect="1"/>
+          </p:cNvPicPr>
+          <p:nvPr/>
+        </p:nvPicPr>
+        <p:blipFill>
+          <a:blip r:embed="rId2"/>
+          <a:stretch>
+            <a:fillRect/>
+          </a:stretch>
+        </p:blipFill>
+        <p:spPr>
+          <a:xfrm>
+            <a:off x="2234679" y="460375"/>
+            <a:ext cx="7722641" cy="5047230"/>
+          </a:xfrm>
+          <a:prstGeom prst="rect">
+            <a:avLst/>
+          </a:prstGeom>
+        </p:spPr>
+      </p:pic>
+    </p:spTree>
+    <p:extLst>
+      <p:ext uri="{BB962C8B-B14F-4D97-AF65-F5344CB8AC3E}">
+        <p14:creationId xmlns:p14="http://schemas.microsoft.com/office/powerpoint/2010/main" val="2406095894"/>
+      </p:ext>
+    </p:extLst>
+  </p:cSld>
+  <p:clrMapOvr>
+    <a:masterClrMapping/>
+  </p:clrMapOvr>
+</p:sld>
+</file>
+
 <file path=ppt/slides/slide2.xml><?xml version="1.0" encoding="utf-8"?>
 <p:sld xmlns:a="http://schemas.openxmlformats.org/drawingml/2006/main" xmlns:r="http://schemas.openxmlformats.org/officeDocument/2006/relationships" xmlns:p="http://schemas.openxmlformats.org/presentationml/2006/main">
   <p:cSld>
@@ -4629,6 +6768,473 @@
     <p:extLst>
       <p:ext uri="{BB962C8B-B14F-4D97-AF65-F5344CB8AC3E}">
         <p14:creationId xmlns:p14="http://schemas.microsoft.com/office/powerpoint/2010/main" val="46351212"/>
+      </p:ext>
+    </p:extLst>
+  </p:cSld>
+  <p:clrMapOvr>
+    <a:masterClrMapping/>
+  </p:clrMapOvr>
+</p:sld>
+</file>
+
+<file path=ppt/slides/slide20.xml><?xml version="1.0" encoding="utf-8"?>
+<p:sld xmlns:a="http://schemas.openxmlformats.org/drawingml/2006/main" xmlns:r="http://schemas.openxmlformats.org/officeDocument/2006/relationships" xmlns:p="http://schemas.openxmlformats.org/presentationml/2006/main">
+  <p:cSld>
+    <p:spTree>
+      <p:nvGrpSpPr>
+        <p:cNvPr id="1" name="">
+          <a:extLst>
+            <a:ext uri="{FF2B5EF4-FFF2-40B4-BE49-F238E27FC236}">
+              <a16:creationId xmlns:a16="http://schemas.microsoft.com/office/drawing/2014/main" id="{508F2235-1936-7B6B-C8D4-7A393BA9BB6B}"/>
+            </a:ext>
+          </a:extLst>
+        </p:cNvPr>
+        <p:cNvGrpSpPr/>
+        <p:nvPr/>
+      </p:nvGrpSpPr>
+      <p:grpSpPr>
+        <a:xfrm>
+          <a:off x="0" y="0"/>
+          <a:ext cx="0" cy="0"/>
+          <a:chOff x="0" y="0"/>
+          <a:chExt cx="0" cy="0"/>
+        </a:xfrm>
+      </p:grpSpPr>
+      <p:grpSp>
+        <p:nvGrpSpPr>
+          <p:cNvPr id="7" name="object 2">
+            <a:extLst>
+              <a:ext uri="{FF2B5EF4-FFF2-40B4-BE49-F238E27FC236}">
+                <a16:creationId xmlns:a16="http://schemas.microsoft.com/office/drawing/2014/main" id="{5C7621A6-09C3-BEFE-36EB-0804D320C471}"/>
+              </a:ext>
+            </a:extLst>
+          </p:cNvPr>
+          <p:cNvGrpSpPr/>
+          <p:nvPr/>
+        </p:nvGrpSpPr>
+        <p:grpSpPr>
+          <a:xfrm>
+            <a:off x="-1" y="6333490"/>
+            <a:ext cx="12192000" cy="524510"/>
+            <a:chOff x="0" y="6333745"/>
+            <a:chExt cx="12192000" cy="524510"/>
+          </a:xfrm>
+          <a:solidFill>
+            <a:schemeClr val="tx2">
+              <a:lumMod val="60000"/>
+              <a:lumOff val="40000"/>
+            </a:schemeClr>
+          </a:solidFill>
+        </p:grpSpPr>
+        <p:sp>
+          <p:nvSpPr>
+            <p:cNvPr id="8" name="object 3">
+              <a:extLst>
+                <a:ext uri="{FF2B5EF4-FFF2-40B4-BE49-F238E27FC236}">
+                  <a16:creationId xmlns:a16="http://schemas.microsoft.com/office/drawing/2014/main" id="{8A4DFF6C-AB19-4A01-7B0B-8D594CCB8323}"/>
+                </a:ext>
+              </a:extLst>
+            </p:cNvPr>
+            <p:cNvSpPr/>
+            <p:nvPr/>
+          </p:nvSpPr>
+          <p:spPr>
+            <a:xfrm>
+              <a:off x="3047" y="6400798"/>
+              <a:ext cx="12188825" cy="457200"/>
+            </a:xfrm>
+            <a:custGeom>
+              <a:avLst/>
+              <a:gdLst/>
+              <a:ahLst/>
+              <a:cxnLst/>
+              <a:rect l="l" t="t" r="r" b="b"/>
+              <a:pathLst>
+                <a:path w="12188825" h="457200">
+                  <a:moveTo>
+                    <a:pt x="12188444" y="0"/>
+                  </a:moveTo>
+                  <a:lnTo>
+                    <a:pt x="0" y="0"/>
+                  </a:lnTo>
+                  <a:lnTo>
+                    <a:pt x="0" y="457199"/>
+                  </a:lnTo>
+                  <a:lnTo>
+                    <a:pt x="12188444" y="457199"/>
+                  </a:lnTo>
+                  <a:lnTo>
+                    <a:pt x="12188444" y="0"/>
+                  </a:lnTo>
+                  <a:close/>
+                </a:path>
+              </a:pathLst>
+            </a:custGeom>
+            <a:grpFill/>
+            <a:ln>
+              <a:solidFill>
+                <a:schemeClr val="tx2">
+                  <a:lumMod val="50000"/>
+                </a:schemeClr>
+              </a:solidFill>
+            </a:ln>
+          </p:spPr>
+          <p:txBody>
+            <a:bodyPr wrap="square" lIns="0" tIns="0" rIns="0" bIns="0" rtlCol="0"/>
+            <a:lstStyle/>
+            <a:p>
+              <a:endParaRPr dirty="0"/>
+            </a:p>
+          </p:txBody>
+        </p:sp>
+        <p:sp>
+          <p:nvSpPr>
+            <p:cNvPr id="9" name="object 4">
+              <a:extLst>
+                <a:ext uri="{FF2B5EF4-FFF2-40B4-BE49-F238E27FC236}">
+                  <a16:creationId xmlns:a16="http://schemas.microsoft.com/office/drawing/2014/main" id="{8AF8CDAA-451C-D94B-29BF-73F9C724C8AF}"/>
+                </a:ext>
+              </a:extLst>
+            </p:cNvPr>
+            <p:cNvSpPr/>
+            <p:nvPr/>
+          </p:nvSpPr>
+          <p:spPr>
+            <a:xfrm>
+              <a:off x="0" y="6333745"/>
+              <a:ext cx="12188825" cy="64135"/>
+            </a:xfrm>
+            <a:custGeom>
+              <a:avLst/>
+              <a:gdLst/>
+              <a:ahLst/>
+              <a:cxnLst/>
+              <a:rect l="l" t="t" r="r" b="b"/>
+              <a:pathLst>
+                <a:path w="12188825" h="64135">
+                  <a:moveTo>
+                    <a:pt x="12188444" y="0"/>
+                  </a:moveTo>
+                  <a:lnTo>
+                    <a:pt x="0" y="0"/>
+                  </a:lnTo>
+                  <a:lnTo>
+                    <a:pt x="0" y="63879"/>
+                  </a:lnTo>
+                  <a:lnTo>
+                    <a:pt x="12188444" y="63879"/>
+                  </a:lnTo>
+                  <a:lnTo>
+                    <a:pt x="12188444" y="0"/>
+                  </a:lnTo>
+                  <a:close/>
+                </a:path>
+              </a:pathLst>
+            </a:custGeom>
+            <a:grpFill/>
+            <a:ln>
+              <a:solidFill>
+                <a:schemeClr val="tx2">
+                  <a:lumMod val="50000"/>
+                </a:schemeClr>
+              </a:solidFill>
+            </a:ln>
+          </p:spPr>
+          <p:txBody>
+            <a:bodyPr wrap="square" lIns="0" tIns="0" rIns="0" bIns="0" rtlCol="0"/>
+            <a:lstStyle/>
+            <a:p>
+              <a:endParaRPr/>
+            </a:p>
+          </p:txBody>
+        </p:sp>
+      </p:grpSp>
+      <p:pic>
+        <p:nvPicPr>
+          <p:cNvPr id="4" name="Image 3">
+            <a:extLst>
+              <a:ext uri="{FF2B5EF4-FFF2-40B4-BE49-F238E27FC236}">
+                <a16:creationId xmlns:a16="http://schemas.microsoft.com/office/drawing/2014/main" id="{A0A4AB72-479D-1BB4-C71D-353C4D5E8A06}"/>
+              </a:ext>
+            </a:extLst>
+          </p:cNvPr>
+          <p:cNvPicPr>
+            <a:picLocks noChangeAspect="1"/>
+          </p:cNvPicPr>
+          <p:nvPr/>
+        </p:nvPicPr>
+        <p:blipFill>
+          <a:blip r:embed="rId2"/>
+          <a:stretch>
+            <a:fillRect/>
+          </a:stretch>
+        </p:blipFill>
+        <p:spPr>
+          <a:xfrm>
+            <a:off x="1087023" y="702996"/>
+            <a:ext cx="10164868" cy="2105517"/>
+          </a:xfrm>
+          <a:prstGeom prst="rect">
+            <a:avLst/>
+          </a:prstGeom>
+        </p:spPr>
+      </p:pic>
+    </p:spTree>
+    <p:extLst>
+      <p:ext uri="{BB962C8B-B14F-4D97-AF65-F5344CB8AC3E}">
+        <p14:creationId xmlns:p14="http://schemas.microsoft.com/office/powerpoint/2010/main" val="3448603912"/>
+      </p:ext>
+    </p:extLst>
+  </p:cSld>
+  <p:clrMapOvr>
+    <a:masterClrMapping/>
+  </p:clrMapOvr>
+</p:sld>
+</file>
+
+<file path=ppt/slides/slide21.xml><?xml version="1.0" encoding="utf-8"?>
+<p:sld xmlns:a="http://schemas.openxmlformats.org/drawingml/2006/main" xmlns:r="http://schemas.openxmlformats.org/officeDocument/2006/relationships" xmlns:p="http://schemas.openxmlformats.org/presentationml/2006/main">
+  <p:cSld>
+    <p:spTree>
+      <p:nvGrpSpPr>
+        <p:cNvPr id="1" name=""/>
+        <p:cNvGrpSpPr/>
+        <p:nvPr/>
+      </p:nvGrpSpPr>
+      <p:grpSpPr>
+        <a:xfrm>
+          <a:off x="0" y="0"/>
+          <a:ext cx="0" cy="0"/>
+          <a:chOff x="0" y="0"/>
+          <a:chExt cx="0" cy="0"/>
+        </a:xfrm>
+      </p:grpSpPr>
+      <p:pic>
+        <p:nvPicPr>
+          <p:cNvPr id="5" name="Image 4">
+            <a:extLst>
+              <a:ext uri="{FF2B5EF4-FFF2-40B4-BE49-F238E27FC236}">
+                <a16:creationId xmlns:a16="http://schemas.microsoft.com/office/drawing/2014/main" id="{787B0F42-53DD-C3FE-4BB8-6EAF69412AAE}"/>
+              </a:ext>
+            </a:extLst>
+          </p:cNvPr>
+          <p:cNvPicPr>
+            <a:picLocks noChangeAspect="1"/>
+          </p:cNvPicPr>
+          <p:nvPr/>
+        </p:nvPicPr>
+        <p:blipFill>
+          <a:blip r:embed="rId2"/>
+          <a:stretch>
+            <a:fillRect/>
+          </a:stretch>
+        </p:blipFill>
+        <p:spPr>
+          <a:xfrm>
+            <a:off x="613394" y="336391"/>
+            <a:ext cx="11182925" cy="3092609"/>
+          </a:xfrm>
+          <a:prstGeom prst="rect">
+            <a:avLst/>
+          </a:prstGeom>
+        </p:spPr>
+      </p:pic>
+    </p:spTree>
+    <p:extLst>
+      <p:ext uri="{BB962C8B-B14F-4D97-AF65-F5344CB8AC3E}">
+        <p14:creationId xmlns:p14="http://schemas.microsoft.com/office/powerpoint/2010/main" val="2678706821"/>
+      </p:ext>
+    </p:extLst>
+  </p:cSld>
+  <p:clrMapOvr>
+    <a:masterClrMapping/>
+  </p:clrMapOvr>
+</p:sld>
+</file>
+
+<file path=ppt/slides/slide22.xml><?xml version="1.0" encoding="utf-8"?>
+<p:sld xmlns:a="http://schemas.openxmlformats.org/drawingml/2006/main" xmlns:r="http://schemas.openxmlformats.org/officeDocument/2006/relationships" xmlns:p="http://schemas.openxmlformats.org/presentationml/2006/main">
+  <p:cSld>
+    <p:spTree>
+      <p:nvGrpSpPr>
+        <p:cNvPr id="1" name="">
+          <a:extLst>
+            <a:ext uri="{FF2B5EF4-FFF2-40B4-BE49-F238E27FC236}">
+              <a16:creationId xmlns:a16="http://schemas.microsoft.com/office/drawing/2014/main" id="{CC1CE810-5739-2B12-3C57-1B31FDFDB1CE}"/>
+            </a:ext>
+          </a:extLst>
+        </p:cNvPr>
+        <p:cNvGrpSpPr/>
+        <p:nvPr/>
+      </p:nvGrpSpPr>
+      <p:grpSpPr>
+        <a:xfrm>
+          <a:off x="0" y="0"/>
+          <a:ext cx="0" cy="0"/>
+          <a:chOff x="0" y="0"/>
+          <a:chExt cx="0" cy="0"/>
+        </a:xfrm>
+      </p:grpSpPr>
+      <p:pic>
+        <p:nvPicPr>
+          <p:cNvPr id="3" name="Image 2">
+            <a:extLst>
+              <a:ext uri="{FF2B5EF4-FFF2-40B4-BE49-F238E27FC236}">
+                <a16:creationId xmlns:a16="http://schemas.microsoft.com/office/drawing/2014/main" id="{0AF8B932-9665-DD4C-E118-174BC71E7A3A}"/>
+              </a:ext>
+            </a:extLst>
+          </p:cNvPr>
+          <p:cNvPicPr>
+            <a:picLocks noChangeAspect="1"/>
+          </p:cNvPicPr>
+          <p:nvPr/>
+        </p:nvPicPr>
+        <p:blipFill>
+          <a:blip r:embed="rId2"/>
+          <a:stretch>
+            <a:fillRect/>
+          </a:stretch>
+        </p:blipFill>
+        <p:spPr>
+          <a:xfrm>
+            <a:off x="701398" y="332859"/>
+            <a:ext cx="10789204" cy="2425825"/>
+          </a:xfrm>
+          <a:prstGeom prst="rect">
+            <a:avLst/>
+          </a:prstGeom>
+        </p:spPr>
+      </p:pic>
+      <p:pic>
+        <p:nvPicPr>
+          <p:cNvPr id="6" name="Image 5">
+            <a:extLst>
+              <a:ext uri="{FF2B5EF4-FFF2-40B4-BE49-F238E27FC236}">
+                <a16:creationId xmlns:a16="http://schemas.microsoft.com/office/drawing/2014/main" id="{99ED14A0-287B-F25B-FA1C-2E84849DC4EA}"/>
+              </a:ext>
+            </a:extLst>
+          </p:cNvPr>
+          <p:cNvPicPr>
+            <a:picLocks noChangeAspect="1"/>
+          </p:cNvPicPr>
+          <p:nvPr/>
+        </p:nvPicPr>
+        <p:blipFill>
+          <a:blip r:embed="rId3"/>
+          <a:stretch>
+            <a:fillRect/>
+          </a:stretch>
+        </p:blipFill>
+        <p:spPr>
+          <a:xfrm>
+            <a:off x="440137" y="3429000"/>
+            <a:ext cx="10941612" cy="2133710"/>
+          </a:xfrm>
+          <a:prstGeom prst="rect">
+            <a:avLst/>
+          </a:prstGeom>
+        </p:spPr>
+      </p:pic>
+    </p:spTree>
+    <p:extLst>
+      <p:ext uri="{BB962C8B-B14F-4D97-AF65-F5344CB8AC3E}">
+        <p14:creationId xmlns:p14="http://schemas.microsoft.com/office/powerpoint/2010/main" val="3850979763"/>
+      </p:ext>
+    </p:extLst>
+  </p:cSld>
+  <p:clrMapOvr>
+    <a:masterClrMapping/>
+  </p:clrMapOvr>
+</p:sld>
+</file>
+
+<file path=ppt/slides/slide23.xml><?xml version="1.0" encoding="utf-8"?>
+<p:sld xmlns:a="http://schemas.openxmlformats.org/drawingml/2006/main" xmlns:r="http://schemas.openxmlformats.org/officeDocument/2006/relationships" xmlns:p="http://schemas.openxmlformats.org/presentationml/2006/main">
+  <p:cSld>
+    <p:spTree>
+      <p:nvGrpSpPr>
+        <p:cNvPr id="1" name="">
+          <a:extLst>
+            <a:ext uri="{FF2B5EF4-FFF2-40B4-BE49-F238E27FC236}">
+              <a16:creationId xmlns:a16="http://schemas.microsoft.com/office/drawing/2014/main" id="{FC4D3E0A-5EC0-B6DE-D686-765009C6C0CC}"/>
+            </a:ext>
+          </a:extLst>
+        </p:cNvPr>
+        <p:cNvGrpSpPr/>
+        <p:nvPr/>
+      </p:nvGrpSpPr>
+      <p:grpSpPr>
+        <a:xfrm>
+          <a:off x="0" y="0"/>
+          <a:ext cx="0" cy="0"/>
+          <a:chOff x="0" y="0"/>
+          <a:chExt cx="0" cy="0"/>
+        </a:xfrm>
+      </p:grpSpPr>
+      <p:pic>
+        <p:nvPicPr>
+          <p:cNvPr id="3" name="Image 2">
+            <a:extLst>
+              <a:ext uri="{FF2B5EF4-FFF2-40B4-BE49-F238E27FC236}">
+                <a16:creationId xmlns:a16="http://schemas.microsoft.com/office/drawing/2014/main" id="{9CF2BBA9-D698-A5B7-7415-31CB2B1C266E}"/>
+              </a:ext>
+            </a:extLst>
+          </p:cNvPr>
+          <p:cNvPicPr>
+            <a:picLocks noChangeAspect="1"/>
+          </p:cNvPicPr>
+          <p:nvPr/>
+        </p:nvPicPr>
+        <p:blipFill>
+          <a:blip r:embed="rId2"/>
+          <a:stretch>
+            <a:fillRect/>
+          </a:stretch>
+        </p:blipFill>
+        <p:spPr>
+          <a:xfrm>
+            <a:off x="334000" y="304286"/>
+            <a:ext cx="10979714" cy="2330570"/>
+          </a:xfrm>
+          <a:prstGeom prst="rect">
+            <a:avLst/>
+          </a:prstGeom>
+        </p:spPr>
+      </p:pic>
+      <p:pic>
+        <p:nvPicPr>
+          <p:cNvPr id="6" name="Image 5">
+            <a:extLst>
+              <a:ext uri="{FF2B5EF4-FFF2-40B4-BE49-F238E27FC236}">
+                <a16:creationId xmlns:a16="http://schemas.microsoft.com/office/drawing/2014/main" id="{5BB8A06E-701E-EA95-40BA-5320839378EC}"/>
+              </a:ext>
+            </a:extLst>
+          </p:cNvPr>
+          <p:cNvPicPr>
+            <a:picLocks noChangeAspect="1"/>
+          </p:cNvPicPr>
+          <p:nvPr/>
+        </p:nvPicPr>
+        <p:blipFill>
+          <a:blip r:embed="rId3"/>
+          <a:stretch>
+            <a:fillRect/>
+          </a:stretch>
+        </p:blipFill>
+        <p:spPr>
+          <a:xfrm>
+            <a:off x="2308947" y="2634856"/>
+            <a:ext cx="7182219" cy="4369025"/>
+          </a:xfrm>
+          <a:prstGeom prst="rect">
+            <a:avLst/>
+          </a:prstGeom>
+        </p:spPr>
+      </p:pic>
+    </p:spTree>
+    <p:extLst>
+      <p:ext uri="{BB962C8B-B14F-4D97-AF65-F5344CB8AC3E}">
+        <p14:creationId xmlns:p14="http://schemas.microsoft.com/office/powerpoint/2010/main" val="2842103088"/>
       </p:ext>
     </p:extLst>
   </p:cSld>
